--- a/doc/pic16f1825-mcp2515.pptx
+++ b/doc/pic16f1825-mcp2515.pptx
@@ -104,6 +104,11 @@
       </a:defRPr>
     </a:lvl9pPr>
   </p:defaultTextStyle>
+  <p:extLst>
+    <p:ext uri="{EFAFB233-063F-42B5-8137-9DF3F51BA10A}">
+      <p15:sldGuideLst xmlns:p15="http://schemas.microsoft.com/office/powerpoint/2012/main"/>
+    </p:ext>
+  </p:extLst>
 </p:presentation>
 </file>
 
@@ -238,7 +243,7 @@
           <a:p>
             <a:fld id="{5F65ECD8-6668-4D7A-833C-97CBE21C0455}" type="datetimeFigureOut">
               <a:rPr lang="en-US" smtClean="0"/>
-              <a:t>3/13/2018</a:t>
+              <a:t>3/25/2018</a:t>
             </a:fld>
             <a:endParaRPr lang="en-US"/>
           </a:p>
@@ -440,7 +445,7 @@
           <a:p>
             <a:fld id="{5F65ECD8-6668-4D7A-833C-97CBE21C0455}" type="datetimeFigureOut">
               <a:rPr lang="en-US" smtClean="0"/>
-              <a:t>3/13/2018</a:t>
+              <a:t>3/25/2018</a:t>
             </a:fld>
             <a:endParaRPr lang="en-US"/>
           </a:p>
@@ -652,7 +657,7 @@
           <a:p>
             <a:fld id="{5F65ECD8-6668-4D7A-833C-97CBE21C0455}" type="datetimeFigureOut">
               <a:rPr lang="en-US" smtClean="0"/>
-              <a:t>3/13/2018</a:t>
+              <a:t>3/25/2018</a:t>
             </a:fld>
             <a:endParaRPr lang="en-US"/>
           </a:p>
@@ -854,7 +859,7 @@
           <a:p>
             <a:fld id="{5F65ECD8-6668-4D7A-833C-97CBE21C0455}" type="datetimeFigureOut">
               <a:rPr lang="en-US" smtClean="0"/>
-              <a:t>3/13/2018</a:t>
+              <a:t>3/25/2018</a:t>
             </a:fld>
             <a:endParaRPr lang="en-US"/>
           </a:p>
@@ -1100,7 +1105,7 @@
           <a:p>
             <a:fld id="{5F65ECD8-6668-4D7A-833C-97CBE21C0455}" type="datetimeFigureOut">
               <a:rPr lang="en-US" smtClean="0"/>
-              <a:t>3/13/2018</a:t>
+              <a:t>3/25/2018</a:t>
             </a:fld>
             <a:endParaRPr lang="en-US"/>
           </a:p>
@@ -1396,7 +1401,7 @@
           <a:p>
             <a:fld id="{5F65ECD8-6668-4D7A-833C-97CBE21C0455}" type="datetimeFigureOut">
               <a:rPr lang="en-US" smtClean="0"/>
-              <a:t>3/13/2018</a:t>
+              <a:t>3/25/2018</a:t>
             </a:fld>
             <a:endParaRPr lang="en-US"/>
           </a:p>
@@ -1827,7 +1832,7 @@
           <a:p>
             <a:fld id="{5F65ECD8-6668-4D7A-833C-97CBE21C0455}" type="datetimeFigureOut">
               <a:rPr lang="en-US" smtClean="0"/>
-              <a:t>3/13/2018</a:t>
+              <a:t>3/25/2018</a:t>
             </a:fld>
             <a:endParaRPr lang="en-US"/>
           </a:p>
@@ -1945,7 +1950,7 @@
           <a:p>
             <a:fld id="{5F65ECD8-6668-4D7A-833C-97CBE21C0455}" type="datetimeFigureOut">
               <a:rPr lang="en-US" smtClean="0"/>
-              <a:t>3/13/2018</a:t>
+              <a:t>3/25/2018</a:t>
             </a:fld>
             <a:endParaRPr lang="en-US"/>
           </a:p>
@@ -2040,7 +2045,7 @@
           <a:p>
             <a:fld id="{5F65ECD8-6668-4D7A-833C-97CBE21C0455}" type="datetimeFigureOut">
               <a:rPr lang="en-US" smtClean="0"/>
-              <a:t>3/13/2018</a:t>
+              <a:t>3/25/2018</a:t>
             </a:fld>
             <a:endParaRPr lang="en-US"/>
           </a:p>
@@ -2349,7 +2354,7 @@
           <a:p>
             <a:fld id="{5F65ECD8-6668-4D7A-833C-97CBE21C0455}" type="datetimeFigureOut">
               <a:rPr lang="en-US" smtClean="0"/>
-              <a:t>3/13/2018</a:t>
+              <a:t>3/25/2018</a:t>
             </a:fld>
             <a:endParaRPr lang="en-US"/>
           </a:p>
@@ -2606,7 +2611,7 @@
           <a:p>
             <a:fld id="{5F65ECD8-6668-4D7A-833C-97CBE21C0455}" type="datetimeFigureOut">
               <a:rPr lang="en-US" smtClean="0"/>
-              <a:t>3/13/2018</a:t>
+              <a:t>3/25/2018</a:t>
             </a:fld>
             <a:endParaRPr lang="en-US"/>
           </a:p>
@@ -2851,7 +2856,7 @@
           <a:p>
             <a:fld id="{5F65ECD8-6668-4D7A-833C-97CBE21C0455}" type="datetimeFigureOut">
               <a:rPr lang="en-US" smtClean="0"/>
-              <a:t>3/13/2018</a:t>
+              <a:t>3/25/2018</a:t>
             </a:fld>
             <a:endParaRPr lang="en-US"/>
           </a:p>
@@ -3256,1440 +3261,1419 @@
           <a:chExt cx="0" cy="0"/>
         </a:xfrm>
       </p:grpSpPr>
-      <p:grpSp>
-        <p:nvGrpSpPr>
-          <p:cNvPr id="53" name="グループ化 52">
+      <p:pic>
+        <p:nvPicPr>
+          <p:cNvPr id="54" name="図 53">
             <a:extLst>
               <a:ext uri="{FF2B5EF4-FFF2-40B4-BE49-F238E27FC236}">
-                <a16:creationId xmlns:a16="http://schemas.microsoft.com/office/drawing/2014/main" id="{95B57A72-E2F8-44EE-B21F-5E2626EF894F}"/>
+                <a16:creationId xmlns:a16="http://schemas.microsoft.com/office/drawing/2014/main" id="{DB9723FA-2E16-4FE9-9CC6-2A432A8ABC0B}"/>
               </a:ext>
             </a:extLst>
           </p:cNvPr>
-          <p:cNvGrpSpPr/>
+          <p:cNvPicPr>
+            <a:picLocks noChangeAspect="1"/>
+          </p:cNvPicPr>
           <p:nvPr/>
-        </p:nvGrpSpPr>
-        <p:grpSpPr>
-          <a:xfrm>
-            <a:off x="731592" y="84283"/>
-            <a:ext cx="10837815" cy="3399529"/>
-            <a:chOff x="661851" y="2409030"/>
-            <a:chExt cx="10837815" cy="3399529"/>
-          </a:xfrm>
-        </p:grpSpPr>
-        <p:pic>
-          <p:nvPicPr>
-            <p:cNvPr id="54" name="図 53">
-              <a:extLst>
-                <a:ext uri="{FF2B5EF4-FFF2-40B4-BE49-F238E27FC236}">
-                  <a16:creationId xmlns:a16="http://schemas.microsoft.com/office/drawing/2014/main" id="{DB9723FA-2E16-4FE9-9CC6-2A432A8ABC0B}"/>
-                </a:ext>
-              </a:extLst>
-            </p:cNvPr>
-            <p:cNvPicPr>
-              <a:picLocks noChangeAspect="1"/>
-            </p:cNvPicPr>
-            <p:nvPr/>
-          </p:nvPicPr>
-          <p:blipFill>
-            <a:blip r:embed="rId2"/>
-            <a:stretch>
-              <a:fillRect/>
-            </a:stretch>
-          </p:blipFill>
-          <p:spPr>
-            <a:xfrm>
-              <a:off x="661851" y="2481261"/>
-              <a:ext cx="3419475" cy="1895475"/>
-            </a:xfrm>
-            <a:prstGeom prst="rect">
-              <a:avLst/>
-            </a:prstGeom>
-          </p:spPr>
-        </p:pic>
-        <p:sp>
-          <p:nvSpPr>
-            <p:cNvPr id="55" name="正方形/長方形 54">
-              <a:extLst>
-                <a:ext uri="{FF2B5EF4-FFF2-40B4-BE49-F238E27FC236}">
-                  <a16:creationId xmlns:a16="http://schemas.microsoft.com/office/drawing/2014/main" id="{2D67B40D-505C-4940-827C-C4D65B94BABB}"/>
-                </a:ext>
-              </a:extLst>
-            </p:cNvPr>
-            <p:cNvSpPr/>
-            <p:nvPr/>
-          </p:nvSpPr>
-          <p:spPr>
-            <a:xfrm>
-              <a:off x="5303519" y="2409030"/>
-              <a:ext cx="3718560" cy="2039938"/>
-            </a:xfrm>
-            <a:prstGeom prst="rect">
-              <a:avLst/>
-            </a:prstGeom>
+        </p:nvPicPr>
+        <p:blipFill>
+          <a:blip r:embed="rId2"/>
+          <a:stretch>
+            <a:fillRect/>
+          </a:stretch>
+        </p:blipFill>
+        <p:spPr>
+          <a:xfrm>
+            <a:off x="731592" y="1187147"/>
+            <a:ext cx="3419475" cy="1895475"/>
+          </a:xfrm>
+          <a:prstGeom prst="rect">
+            <a:avLst/>
+          </a:prstGeom>
+        </p:spPr>
+      </p:pic>
+      <p:sp>
+        <p:nvSpPr>
+          <p:cNvPr id="55" name="正方形/長方形 54">
+            <a:extLst>
+              <a:ext uri="{FF2B5EF4-FFF2-40B4-BE49-F238E27FC236}">
+                <a16:creationId xmlns:a16="http://schemas.microsoft.com/office/drawing/2014/main" id="{2D67B40D-505C-4940-827C-C4D65B94BABB}"/>
+              </a:ext>
+            </a:extLst>
+          </p:cNvPr>
+          <p:cNvSpPr/>
+          <p:nvPr/>
+        </p:nvSpPr>
+        <p:spPr>
+          <a:xfrm>
+            <a:off x="5373260" y="1114916"/>
+            <a:ext cx="3718560" cy="2039938"/>
+          </a:xfrm>
+          <a:prstGeom prst="rect">
+            <a:avLst/>
+          </a:prstGeom>
+          <a:solidFill>
+            <a:schemeClr val="accent5">
+              <a:lumMod val="50000"/>
+            </a:schemeClr>
+          </a:solidFill>
+        </p:spPr>
+        <p:style>
+          <a:lnRef idx="2">
+            <a:schemeClr val="accent1">
+              <a:shade val="50000"/>
+            </a:schemeClr>
+          </a:lnRef>
+          <a:fillRef idx="1">
+            <a:schemeClr val="accent1"/>
+          </a:fillRef>
+          <a:effectRef idx="0">
+            <a:schemeClr val="accent1"/>
+          </a:effectRef>
+          <a:fontRef idx="minor">
+            <a:schemeClr val="lt1"/>
+          </a:fontRef>
+        </p:style>
+        <p:txBody>
+          <a:bodyPr rtlCol="0" anchor="ctr"/>
+          <a:lstStyle/>
+          <a:p>
+            <a:pPr algn="ctr"/>
+            <a:endParaRPr lang="en-US"/>
+          </a:p>
+        </p:txBody>
+      </p:sp>
+      <p:sp>
+        <p:nvSpPr>
+          <p:cNvPr id="56" name="楕円 55">
+            <a:extLst>
+              <a:ext uri="{FF2B5EF4-FFF2-40B4-BE49-F238E27FC236}">
+                <a16:creationId xmlns:a16="http://schemas.microsoft.com/office/drawing/2014/main" id="{C17B80AD-62C0-4DC0-A635-23F861FD5288}"/>
+              </a:ext>
+            </a:extLst>
+          </p:cNvPr>
+          <p:cNvSpPr/>
+          <p:nvPr/>
+        </p:nvSpPr>
+        <p:spPr>
+          <a:xfrm>
+            <a:off x="5530015" y="1361999"/>
+            <a:ext cx="209005" cy="200297"/>
+          </a:xfrm>
+          <a:prstGeom prst="ellipse">
+            <a:avLst/>
+          </a:prstGeom>
+          <a:solidFill>
+            <a:schemeClr val="accent2">
+              <a:lumMod val="60000"/>
+              <a:lumOff val="40000"/>
+            </a:schemeClr>
+          </a:solidFill>
+        </p:spPr>
+        <p:style>
+          <a:lnRef idx="2">
+            <a:schemeClr val="accent1">
+              <a:shade val="50000"/>
+            </a:schemeClr>
+          </a:lnRef>
+          <a:fillRef idx="1">
+            <a:schemeClr val="accent1"/>
+          </a:fillRef>
+          <a:effectRef idx="0">
+            <a:schemeClr val="accent1"/>
+          </a:effectRef>
+          <a:fontRef idx="minor">
+            <a:schemeClr val="lt1"/>
+          </a:fontRef>
+        </p:style>
+        <p:txBody>
+          <a:bodyPr rtlCol="0" anchor="ctr"/>
+          <a:lstStyle/>
+          <a:p>
+            <a:pPr algn="ctr"/>
+            <a:endParaRPr lang="en-US"/>
+          </a:p>
+        </p:txBody>
+      </p:sp>
+      <p:sp>
+        <p:nvSpPr>
+          <p:cNvPr id="57" name="楕円 56">
+            <a:extLst>
+              <a:ext uri="{FF2B5EF4-FFF2-40B4-BE49-F238E27FC236}">
+                <a16:creationId xmlns:a16="http://schemas.microsoft.com/office/drawing/2014/main" id="{D100167D-9644-429F-A594-36FCEE88F1BF}"/>
+              </a:ext>
+            </a:extLst>
+          </p:cNvPr>
+          <p:cNvSpPr/>
+          <p:nvPr/>
+        </p:nvSpPr>
+        <p:spPr>
+          <a:xfrm>
+            <a:off x="5534365" y="1575361"/>
+            <a:ext cx="209005" cy="200297"/>
+          </a:xfrm>
+          <a:prstGeom prst="ellipse">
+            <a:avLst/>
+          </a:prstGeom>
+          <a:solidFill>
+            <a:schemeClr val="accent2">
+              <a:lumMod val="60000"/>
+              <a:lumOff val="40000"/>
+            </a:schemeClr>
+          </a:solidFill>
+        </p:spPr>
+        <p:style>
+          <a:lnRef idx="2">
+            <a:schemeClr val="accent1">
+              <a:shade val="50000"/>
+            </a:schemeClr>
+          </a:lnRef>
+          <a:fillRef idx="1">
+            <a:schemeClr val="accent1"/>
+          </a:fillRef>
+          <a:effectRef idx="0">
+            <a:schemeClr val="accent1"/>
+          </a:effectRef>
+          <a:fontRef idx="minor">
+            <a:schemeClr val="lt1"/>
+          </a:fontRef>
+        </p:style>
+        <p:txBody>
+          <a:bodyPr rtlCol="0" anchor="ctr"/>
+          <a:lstStyle/>
+          <a:p>
+            <a:pPr algn="ctr"/>
+            <a:endParaRPr lang="en-US"/>
+          </a:p>
+        </p:txBody>
+      </p:sp>
+      <p:sp>
+        <p:nvSpPr>
+          <p:cNvPr id="58" name="楕円 57">
+            <a:extLst>
+              <a:ext uri="{FF2B5EF4-FFF2-40B4-BE49-F238E27FC236}">
+                <a16:creationId xmlns:a16="http://schemas.microsoft.com/office/drawing/2014/main" id="{6EC89F48-188F-4500-ABB3-1979A2FA54CF}"/>
+              </a:ext>
+            </a:extLst>
+          </p:cNvPr>
+          <p:cNvSpPr/>
+          <p:nvPr/>
+        </p:nvSpPr>
+        <p:spPr>
+          <a:xfrm>
+            <a:off x="5530010" y="1806142"/>
+            <a:ext cx="209005" cy="200297"/>
+          </a:xfrm>
+          <a:prstGeom prst="ellipse">
+            <a:avLst/>
+          </a:prstGeom>
+          <a:solidFill>
+            <a:schemeClr val="accent2">
+              <a:lumMod val="60000"/>
+              <a:lumOff val="40000"/>
+            </a:schemeClr>
+          </a:solidFill>
+        </p:spPr>
+        <p:style>
+          <a:lnRef idx="2">
+            <a:schemeClr val="accent1">
+              <a:shade val="50000"/>
+            </a:schemeClr>
+          </a:lnRef>
+          <a:fillRef idx="1">
+            <a:schemeClr val="accent1"/>
+          </a:fillRef>
+          <a:effectRef idx="0">
+            <a:schemeClr val="accent1"/>
+          </a:effectRef>
+          <a:fontRef idx="minor">
+            <a:schemeClr val="lt1"/>
+          </a:fontRef>
+        </p:style>
+        <p:txBody>
+          <a:bodyPr rtlCol="0" anchor="ctr"/>
+          <a:lstStyle/>
+          <a:p>
+            <a:pPr algn="ctr"/>
+            <a:endParaRPr lang="en-US"/>
+          </a:p>
+        </p:txBody>
+      </p:sp>
+      <p:sp>
+        <p:nvSpPr>
+          <p:cNvPr id="59" name="楕円 58">
+            <a:extLst>
+              <a:ext uri="{FF2B5EF4-FFF2-40B4-BE49-F238E27FC236}">
+                <a16:creationId xmlns:a16="http://schemas.microsoft.com/office/drawing/2014/main" id="{53B0FFCD-E6C2-4CE8-B2DD-0220C9EF9167}"/>
+              </a:ext>
+            </a:extLst>
+          </p:cNvPr>
+          <p:cNvSpPr/>
+          <p:nvPr/>
+        </p:nvSpPr>
+        <p:spPr>
+          <a:xfrm>
+            <a:off x="5534362" y="2028211"/>
+            <a:ext cx="209005" cy="200297"/>
+          </a:xfrm>
+          <a:prstGeom prst="ellipse">
+            <a:avLst/>
+          </a:prstGeom>
+          <a:solidFill>
+            <a:schemeClr val="accent2">
+              <a:lumMod val="60000"/>
+              <a:lumOff val="40000"/>
+            </a:schemeClr>
+          </a:solidFill>
+        </p:spPr>
+        <p:style>
+          <a:lnRef idx="2">
+            <a:schemeClr val="accent1">
+              <a:shade val="50000"/>
+            </a:schemeClr>
+          </a:lnRef>
+          <a:fillRef idx="1">
+            <a:schemeClr val="accent1"/>
+          </a:fillRef>
+          <a:effectRef idx="0">
+            <a:schemeClr val="accent1"/>
+          </a:effectRef>
+          <a:fontRef idx="minor">
+            <a:schemeClr val="lt1"/>
+          </a:fontRef>
+        </p:style>
+        <p:txBody>
+          <a:bodyPr rtlCol="0" anchor="ctr"/>
+          <a:lstStyle/>
+          <a:p>
+            <a:pPr algn="ctr"/>
+            <a:endParaRPr lang="en-US"/>
+          </a:p>
+        </p:txBody>
+      </p:sp>
+      <p:sp>
+        <p:nvSpPr>
+          <p:cNvPr id="60" name="楕円 59">
+            <a:extLst>
+              <a:ext uri="{FF2B5EF4-FFF2-40B4-BE49-F238E27FC236}">
+                <a16:creationId xmlns:a16="http://schemas.microsoft.com/office/drawing/2014/main" id="{3892306B-C2D4-4CC9-8C87-0EFE47D62189}"/>
+              </a:ext>
+            </a:extLst>
+          </p:cNvPr>
+          <p:cNvSpPr/>
+          <p:nvPr/>
+        </p:nvSpPr>
+        <p:spPr>
+          <a:xfrm>
+            <a:off x="5534365" y="2272041"/>
+            <a:ext cx="209005" cy="200297"/>
+          </a:xfrm>
+          <a:prstGeom prst="ellipse">
+            <a:avLst/>
+          </a:prstGeom>
+          <a:solidFill>
+            <a:schemeClr val="accent2">
+              <a:lumMod val="60000"/>
+              <a:lumOff val="40000"/>
+            </a:schemeClr>
+          </a:solidFill>
+        </p:spPr>
+        <p:style>
+          <a:lnRef idx="2">
+            <a:schemeClr val="accent1">
+              <a:shade val="50000"/>
+            </a:schemeClr>
+          </a:lnRef>
+          <a:fillRef idx="1">
+            <a:schemeClr val="accent1"/>
+          </a:fillRef>
+          <a:effectRef idx="0">
+            <a:schemeClr val="accent1"/>
+          </a:effectRef>
+          <a:fontRef idx="minor">
+            <a:schemeClr val="lt1"/>
+          </a:fontRef>
+        </p:style>
+        <p:txBody>
+          <a:bodyPr rtlCol="0" anchor="ctr"/>
+          <a:lstStyle/>
+          <a:p>
+            <a:pPr algn="ctr"/>
+            <a:endParaRPr lang="en-US"/>
+          </a:p>
+        </p:txBody>
+      </p:sp>
+      <p:sp>
+        <p:nvSpPr>
+          <p:cNvPr id="61" name="楕円 60">
+            <a:extLst>
+              <a:ext uri="{FF2B5EF4-FFF2-40B4-BE49-F238E27FC236}">
+                <a16:creationId xmlns:a16="http://schemas.microsoft.com/office/drawing/2014/main" id="{5902069A-3255-463B-BBD7-CB4342B474D4}"/>
+              </a:ext>
+            </a:extLst>
+          </p:cNvPr>
+          <p:cNvSpPr/>
+          <p:nvPr/>
+        </p:nvSpPr>
+        <p:spPr>
+          <a:xfrm>
+            <a:off x="5530006" y="2485403"/>
+            <a:ext cx="209005" cy="200297"/>
+          </a:xfrm>
+          <a:prstGeom prst="ellipse">
+            <a:avLst/>
+          </a:prstGeom>
+          <a:solidFill>
+            <a:schemeClr val="accent2">
+              <a:lumMod val="60000"/>
+              <a:lumOff val="40000"/>
+            </a:schemeClr>
+          </a:solidFill>
+        </p:spPr>
+        <p:style>
+          <a:lnRef idx="2">
+            <a:schemeClr val="accent1">
+              <a:shade val="50000"/>
+            </a:schemeClr>
+          </a:lnRef>
+          <a:fillRef idx="1">
+            <a:schemeClr val="accent1"/>
+          </a:fillRef>
+          <a:effectRef idx="0">
+            <a:schemeClr val="accent1"/>
+          </a:effectRef>
+          <a:fontRef idx="minor">
+            <a:schemeClr val="lt1"/>
+          </a:fontRef>
+        </p:style>
+        <p:txBody>
+          <a:bodyPr rtlCol="0" anchor="ctr"/>
+          <a:lstStyle/>
+          <a:p>
+            <a:pPr algn="ctr"/>
+            <a:endParaRPr lang="en-US"/>
+          </a:p>
+        </p:txBody>
+      </p:sp>
+      <p:sp>
+        <p:nvSpPr>
+          <p:cNvPr id="62" name="楕円 61">
+            <a:extLst>
+              <a:ext uri="{FF2B5EF4-FFF2-40B4-BE49-F238E27FC236}">
+                <a16:creationId xmlns:a16="http://schemas.microsoft.com/office/drawing/2014/main" id="{55DE20BB-AB28-4FE4-9B61-637403958695}"/>
+              </a:ext>
+            </a:extLst>
+          </p:cNvPr>
+          <p:cNvSpPr/>
+          <p:nvPr/>
+        </p:nvSpPr>
+        <p:spPr>
+          <a:xfrm>
+            <a:off x="5534360" y="2716184"/>
+            <a:ext cx="209005" cy="200297"/>
+          </a:xfrm>
+          <a:prstGeom prst="ellipse">
+            <a:avLst/>
+          </a:prstGeom>
+          <a:solidFill>
+            <a:schemeClr val="accent2">
+              <a:lumMod val="60000"/>
+              <a:lumOff val="40000"/>
+            </a:schemeClr>
+          </a:solidFill>
+        </p:spPr>
+        <p:style>
+          <a:lnRef idx="2">
+            <a:schemeClr val="accent1">
+              <a:shade val="50000"/>
+            </a:schemeClr>
+          </a:lnRef>
+          <a:fillRef idx="1">
+            <a:schemeClr val="accent1"/>
+          </a:fillRef>
+          <a:effectRef idx="0">
+            <a:schemeClr val="accent1"/>
+          </a:effectRef>
+          <a:fontRef idx="minor">
+            <a:schemeClr val="lt1"/>
+          </a:fontRef>
+        </p:style>
+        <p:txBody>
+          <a:bodyPr rtlCol="0" anchor="ctr"/>
+          <a:lstStyle/>
+          <a:p>
+            <a:pPr algn="ctr"/>
+            <a:endParaRPr lang="en-US"/>
+          </a:p>
+        </p:txBody>
+      </p:sp>
+      <p:sp>
+        <p:nvSpPr>
+          <p:cNvPr id="63" name="テキスト ボックス 62">
+            <a:extLst>
+              <a:ext uri="{FF2B5EF4-FFF2-40B4-BE49-F238E27FC236}">
+                <a16:creationId xmlns:a16="http://schemas.microsoft.com/office/drawing/2014/main" id="{E37A606F-8D07-4719-866E-29AB36548218}"/>
+              </a:ext>
+            </a:extLst>
+          </p:cNvPr>
+          <p:cNvSpPr txBox="1"/>
+          <p:nvPr/>
+        </p:nvSpPr>
+        <p:spPr>
+          <a:xfrm>
+            <a:off x="5707170" y="2683919"/>
+            <a:ext cx="606616" cy="319636"/>
+          </a:xfrm>
+          <a:prstGeom prst="rect">
+            <a:avLst/>
+          </a:prstGeom>
+          <a:noFill/>
+        </p:spPr>
+        <p:txBody>
+          <a:bodyPr wrap="square" rtlCol="0">
+            <a:spAutoFit/>
+          </a:bodyPr>
+          <a:lstStyle/>
+          <a:p>
+            <a:r>
+              <a:rPr lang="en-US" sz="1400" dirty="0">
+                <a:solidFill>
+                  <a:schemeClr val="bg1"/>
+                </a:solidFill>
+              </a:rPr>
+              <a:t>VCC</a:t>
+            </a:r>
+          </a:p>
+        </p:txBody>
+      </p:sp>
+      <p:sp>
+        <p:nvSpPr>
+          <p:cNvPr id="64" name="テキスト ボックス 63">
+            <a:extLst>
+              <a:ext uri="{FF2B5EF4-FFF2-40B4-BE49-F238E27FC236}">
+                <a16:creationId xmlns:a16="http://schemas.microsoft.com/office/drawing/2014/main" id="{624F94B1-F05E-450B-90E8-67BD0E016E82}"/>
+              </a:ext>
+            </a:extLst>
+          </p:cNvPr>
+          <p:cNvSpPr txBox="1"/>
+          <p:nvPr/>
+        </p:nvSpPr>
+        <p:spPr>
+          <a:xfrm>
+            <a:off x="5694102" y="2444435"/>
+            <a:ext cx="606616" cy="319636"/>
+          </a:xfrm>
+          <a:prstGeom prst="rect">
+            <a:avLst/>
+          </a:prstGeom>
+          <a:noFill/>
+        </p:spPr>
+        <p:txBody>
+          <a:bodyPr wrap="square" rtlCol="0">
+            <a:spAutoFit/>
+          </a:bodyPr>
+          <a:lstStyle/>
+          <a:p>
+            <a:r>
+              <a:rPr lang="en-US" sz="1400" dirty="0">
+                <a:solidFill>
+                  <a:schemeClr val="bg1"/>
+                </a:solidFill>
+              </a:rPr>
+              <a:t>GND</a:t>
+            </a:r>
+          </a:p>
+        </p:txBody>
+      </p:sp>
+      <p:sp>
+        <p:nvSpPr>
+          <p:cNvPr id="65" name="テキスト ボックス 64">
+            <a:extLst>
+              <a:ext uri="{FF2B5EF4-FFF2-40B4-BE49-F238E27FC236}">
+                <a16:creationId xmlns:a16="http://schemas.microsoft.com/office/drawing/2014/main" id="{5FD6B350-4936-4191-9B0A-1D9B59C8A63B}"/>
+              </a:ext>
+            </a:extLst>
+          </p:cNvPr>
+          <p:cNvSpPr txBox="1"/>
+          <p:nvPr/>
+        </p:nvSpPr>
+        <p:spPr>
+          <a:xfrm>
+            <a:off x="5698457" y="2231070"/>
+            <a:ext cx="606616" cy="319636"/>
+          </a:xfrm>
+          <a:prstGeom prst="rect">
+            <a:avLst/>
+          </a:prstGeom>
+          <a:noFill/>
+        </p:spPr>
+        <p:txBody>
+          <a:bodyPr wrap="square" rtlCol="0">
+            <a:spAutoFit/>
+          </a:bodyPr>
+          <a:lstStyle/>
+          <a:p>
+            <a:r>
+              <a:rPr lang="en-US" sz="1400" dirty="0">
+                <a:solidFill>
+                  <a:schemeClr val="bg1"/>
+                </a:solidFill>
+              </a:rPr>
+              <a:t>CS</a:t>
+            </a:r>
+          </a:p>
+        </p:txBody>
+      </p:sp>
+      <p:sp>
+        <p:nvSpPr>
+          <p:cNvPr id="66" name="テキスト ボックス 65">
+            <a:extLst>
+              <a:ext uri="{FF2B5EF4-FFF2-40B4-BE49-F238E27FC236}">
+                <a16:creationId xmlns:a16="http://schemas.microsoft.com/office/drawing/2014/main" id="{AA35EDE2-7033-4FA6-9A69-53344DED5B58}"/>
+              </a:ext>
+            </a:extLst>
+          </p:cNvPr>
+          <p:cNvSpPr txBox="1"/>
+          <p:nvPr/>
+        </p:nvSpPr>
+        <p:spPr>
+          <a:xfrm>
+            <a:off x="5694100" y="1991585"/>
+            <a:ext cx="606616" cy="319636"/>
+          </a:xfrm>
+          <a:prstGeom prst="rect">
+            <a:avLst/>
+          </a:prstGeom>
+          <a:noFill/>
+        </p:spPr>
+        <p:txBody>
+          <a:bodyPr wrap="square" rtlCol="0">
+            <a:spAutoFit/>
+          </a:bodyPr>
+          <a:lstStyle/>
+          <a:p>
+            <a:r>
+              <a:rPr lang="en-US" sz="1400" dirty="0">
+                <a:solidFill>
+                  <a:schemeClr val="bg1"/>
+                </a:solidFill>
+              </a:rPr>
+              <a:t>SO</a:t>
+            </a:r>
+          </a:p>
+        </p:txBody>
+      </p:sp>
+      <p:sp>
+        <p:nvSpPr>
+          <p:cNvPr id="67" name="テキスト ボックス 66">
+            <a:extLst>
+              <a:ext uri="{FF2B5EF4-FFF2-40B4-BE49-F238E27FC236}">
+                <a16:creationId xmlns:a16="http://schemas.microsoft.com/office/drawing/2014/main" id="{D2D776BC-54E3-45CB-942A-D5C96159EF71}"/>
+              </a:ext>
+            </a:extLst>
+          </p:cNvPr>
+          <p:cNvSpPr txBox="1"/>
+          <p:nvPr/>
+        </p:nvSpPr>
+        <p:spPr>
+          <a:xfrm>
+            <a:off x="5698453" y="1760809"/>
+            <a:ext cx="606616" cy="319636"/>
+          </a:xfrm>
+          <a:prstGeom prst="rect">
+            <a:avLst/>
+          </a:prstGeom>
+          <a:noFill/>
+        </p:spPr>
+        <p:txBody>
+          <a:bodyPr wrap="square" rtlCol="0">
+            <a:spAutoFit/>
+          </a:bodyPr>
+          <a:lstStyle/>
+          <a:p>
+            <a:r>
+              <a:rPr lang="en-US" sz="1400" dirty="0">
+                <a:solidFill>
+                  <a:schemeClr val="bg1"/>
+                </a:solidFill>
+              </a:rPr>
+              <a:t>SI</a:t>
+            </a:r>
+          </a:p>
+        </p:txBody>
+      </p:sp>
+      <p:sp>
+        <p:nvSpPr>
+          <p:cNvPr id="68" name="テキスト ボックス 67">
+            <a:extLst>
+              <a:ext uri="{FF2B5EF4-FFF2-40B4-BE49-F238E27FC236}">
+                <a16:creationId xmlns:a16="http://schemas.microsoft.com/office/drawing/2014/main" id="{BDA201A6-66DD-4310-9964-C534137E2F0F}"/>
+              </a:ext>
+            </a:extLst>
+          </p:cNvPr>
+          <p:cNvSpPr txBox="1"/>
+          <p:nvPr/>
+        </p:nvSpPr>
+        <p:spPr>
+          <a:xfrm>
+            <a:off x="5694093" y="1530026"/>
+            <a:ext cx="606616" cy="319636"/>
+          </a:xfrm>
+          <a:prstGeom prst="rect">
+            <a:avLst/>
+          </a:prstGeom>
+          <a:noFill/>
+        </p:spPr>
+        <p:txBody>
+          <a:bodyPr wrap="square" rtlCol="0">
+            <a:spAutoFit/>
+          </a:bodyPr>
+          <a:lstStyle/>
+          <a:p>
+            <a:r>
+              <a:rPr lang="en-US" sz="1400" dirty="0">
+                <a:solidFill>
+                  <a:schemeClr val="bg1"/>
+                </a:solidFill>
+              </a:rPr>
+              <a:t>SCK</a:t>
+            </a:r>
+          </a:p>
+        </p:txBody>
+      </p:sp>
+      <p:sp>
+        <p:nvSpPr>
+          <p:cNvPr id="69" name="テキスト ボックス 68">
+            <a:extLst>
+              <a:ext uri="{FF2B5EF4-FFF2-40B4-BE49-F238E27FC236}">
+                <a16:creationId xmlns:a16="http://schemas.microsoft.com/office/drawing/2014/main" id="{C0F7742C-0CCF-49D0-93FA-EF0C31F70169}"/>
+              </a:ext>
+            </a:extLst>
+          </p:cNvPr>
+          <p:cNvSpPr txBox="1"/>
+          <p:nvPr/>
+        </p:nvSpPr>
+        <p:spPr>
+          <a:xfrm>
+            <a:off x="5698445" y="1316667"/>
+            <a:ext cx="606616" cy="319636"/>
+          </a:xfrm>
+          <a:prstGeom prst="rect">
+            <a:avLst/>
+          </a:prstGeom>
+          <a:noFill/>
+        </p:spPr>
+        <p:txBody>
+          <a:bodyPr wrap="square" rtlCol="0">
+            <a:spAutoFit/>
+          </a:bodyPr>
+          <a:lstStyle/>
+          <a:p>
+            <a:r>
+              <a:rPr lang="en-US" sz="1400" dirty="0">
+                <a:solidFill>
+                  <a:schemeClr val="bg1"/>
+                </a:solidFill>
+              </a:rPr>
+              <a:t>INT</a:t>
+            </a:r>
+          </a:p>
+        </p:txBody>
+      </p:sp>
+      <p:cxnSp>
+        <p:nvCxnSpPr>
+          <p:cNvPr id="70" name="直線コネクタ 69">
+            <a:extLst>
+              <a:ext uri="{FF2B5EF4-FFF2-40B4-BE49-F238E27FC236}">
+                <a16:creationId xmlns:a16="http://schemas.microsoft.com/office/drawing/2014/main" id="{2FA724D0-A389-4787-BF6E-E3500D5ECB87}"/>
+              </a:ext>
+            </a:extLst>
+          </p:cNvPr>
+          <p:cNvCxnSpPr>
+            <a:cxnSpLocks/>
+            <a:endCxn id="59" idx="3"/>
+          </p:cNvCxnSpPr>
+          <p:nvPr/>
+        </p:nvCxnSpPr>
+        <p:spPr>
+          <a:xfrm flipV="1">
+            <a:off x="4046623" y="2199175"/>
+            <a:ext cx="1518347" cy="386376"/>
+          </a:xfrm>
+          <a:prstGeom prst="line">
+            <a:avLst/>
+          </a:prstGeom>
+          <a:ln w="38100">
+            <a:solidFill>
+              <a:schemeClr val="accent6">
+                <a:lumMod val="75000"/>
+              </a:schemeClr>
+            </a:solidFill>
+          </a:ln>
+        </p:spPr>
+        <p:style>
+          <a:lnRef idx="1">
+            <a:schemeClr val="accent1"/>
+          </a:lnRef>
+          <a:fillRef idx="0">
+            <a:schemeClr val="accent1"/>
+          </a:fillRef>
+          <a:effectRef idx="0">
+            <a:schemeClr val="accent1"/>
+          </a:effectRef>
+          <a:fontRef idx="minor">
+            <a:schemeClr val="tx1"/>
+          </a:fontRef>
+        </p:style>
+      </p:cxnSp>
+      <p:cxnSp>
+        <p:nvCxnSpPr>
+          <p:cNvPr id="71" name="直線コネクタ 70">
+            <a:extLst>
+              <a:ext uri="{FF2B5EF4-FFF2-40B4-BE49-F238E27FC236}">
+                <a16:creationId xmlns:a16="http://schemas.microsoft.com/office/drawing/2014/main" id="{B27612D8-8F13-4F9D-82E1-B7B21FBA04A3}"/>
+              </a:ext>
+            </a:extLst>
+          </p:cNvPr>
+          <p:cNvCxnSpPr>
+            <a:cxnSpLocks/>
+            <a:endCxn id="57" idx="2"/>
+          </p:cNvCxnSpPr>
+          <p:nvPr/>
+        </p:nvCxnSpPr>
+        <p:spPr>
+          <a:xfrm flipV="1">
+            <a:off x="4059637" y="1675510"/>
+            <a:ext cx="1474728" cy="696679"/>
+          </a:xfrm>
+          <a:prstGeom prst="line">
+            <a:avLst/>
+          </a:prstGeom>
+          <a:ln w="38100">
             <a:solidFill>
               <a:schemeClr val="accent5">
+                <a:lumMod val="75000"/>
+              </a:schemeClr>
+            </a:solidFill>
+          </a:ln>
+        </p:spPr>
+        <p:style>
+          <a:lnRef idx="1">
+            <a:schemeClr val="accent1"/>
+          </a:lnRef>
+          <a:fillRef idx="0">
+            <a:schemeClr val="accent1"/>
+          </a:fillRef>
+          <a:effectRef idx="0">
+            <a:schemeClr val="accent1"/>
+          </a:effectRef>
+          <a:fontRef idx="minor">
+            <a:schemeClr val="tx1"/>
+          </a:fontRef>
+        </p:style>
+      </p:cxnSp>
+      <p:cxnSp>
+        <p:nvCxnSpPr>
+          <p:cNvPr id="72" name="直線コネクタ 71">
+            <a:extLst>
+              <a:ext uri="{FF2B5EF4-FFF2-40B4-BE49-F238E27FC236}">
+                <a16:creationId xmlns:a16="http://schemas.microsoft.com/office/drawing/2014/main" id="{5F0E1F93-5542-4E8F-966A-3178AC9FCA36}"/>
+              </a:ext>
+            </a:extLst>
+          </p:cNvPr>
+          <p:cNvCxnSpPr>
+            <a:cxnSpLocks/>
+            <a:endCxn id="58" idx="3"/>
+          </p:cNvCxnSpPr>
+          <p:nvPr/>
+        </p:nvCxnSpPr>
+        <p:spPr>
+          <a:xfrm flipV="1">
+            <a:off x="4116243" y="1977106"/>
+            <a:ext cx="1444375" cy="792583"/>
+          </a:xfrm>
+          <a:prstGeom prst="line">
+            <a:avLst/>
+          </a:prstGeom>
+          <a:ln w="38100">
+            <a:solidFill>
+              <a:schemeClr val="accent2">
+                <a:lumMod val="75000"/>
+              </a:schemeClr>
+            </a:solidFill>
+          </a:ln>
+        </p:spPr>
+        <p:style>
+          <a:lnRef idx="1">
+            <a:schemeClr val="accent1"/>
+          </a:lnRef>
+          <a:fillRef idx="0">
+            <a:schemeClr val="accent1"/>
+          </a:fillRef>
+          <a:effectRef idx="0">
+            <a:schemeClr val="accent1"/>
+          </a:effectRef>
+          <a:fontRef idx="minor">
+            <a:schemeClr val="tx1"/>
+          </a:fontRef>
+        </p:style>
+      </p:cxnSp>
+      <p:cxnSp>
+        <p:nvCxnSpPr>
+          <p:cNvPr id="73" name="直線コネクタ 72">
+            <a:extLst>
+              <a:ext uri="{FF2B5EF4-FFF2-40B4-BE49-F238E27FC236}">
+                <a16:creationId xmlns:a16="http://schemas.microsoft.com/office/drawing/2014/main" id="{7E6197E0-11BA-40F7-8741-727C527586AC}"/>
+              </a:ext>
+            </a:extLst>
+          </p:cNvPr>
+          <p:cNvCxnSpPr>
+            <a:cxnSpLocks/>
+            <a:endCxn id="60" idx="2"/>
+          </p:cNvCxnSpPr>
+          <p:nvPr/>
+        </p:nvCxnSpPr>
+        <p:spPr>
+          <a:xfrm>
+            <a:off x="3839174" y="2150169"/>
+            <a:ext cx="1695191" cy="222021"/>
+          </a:xfrm>
+          <a:prstGeom prst="line">
+            <a:avLst/>
+          </a:prstGeom>
+          <a:ln w="38100">
+            <a:solidFill>
+              <a:srgbClr val="FFC000"/>
+            </a:solidFill>
+          </a:ln>
+        </p:spPr>
+        <p:style>
+          <a:lnRef idx="1">
+            <a:schemeClr val="accent1"/>
+          </a:lnRef>
+          <a:fillRef idx="0">
+            <a:schemeClr val="accent1"/>
+          </a:fillRef>
+          <a:effectRef idx="0">
+            <a:schemeClr val="accent1"/>
+          </a:effectRef>
+          <a:fontRef idx="minor">
+            <a:schemeClr val="tx1"/>
+          </a:fontRef>
+        </p:style>
+      </p:cxnSp>
+      <p:sp>
+        <p:nvSpPr>
+          <p:cNvPr id="74" name="正方形/長方形 73">
+            <a:extLst>
+              <a:ext uri="{FF2B5EF4-FFF2-40B4-BE49-F238E27FC236}">
+                <a16:creationId xmlns:a16="http://schemas.microsoft.com/office/drawing/2014/main" id="{E2139B62-7667-4153-BB14-61CAA8621A60}"/>
+              </a:ext>
+            </a:extLst>
+          </p:cNvPr>
+          <p:cNvSpPr/>
+          <p:nvPr/>
+        </p:nvSpPr>
+        <p:spPr>
+          <a:xfrm>
+            <a:off x="8395143" y="1588423"/>
+            <a:ext cx="687977" cy="1114697"/>
+          </a:xfrm>
+          <a:prstGeom prst="rect">
+            <a:avLst/>
+          </a:prstGeom>
+          <a:solidFill>
+            <a:srgbClr val="00B0F0"/>
+          </a:solidFill>
+        </p:spPr>
+        <p:style>
+          <a:lnRef idx="2">
+            <a:schemeClr val="accent1">
+              <a:shade val="50000"/>
+            </a:schemeClr>
+          </a:lnRef>
+          <a:fillRef idx="1">
+            <a:schemeClr val="accent1"/>
+          </a:fillRef>
+          <a:effectRef idx="0">
+            <a:schemeClr val="accent1"/>
+          </a:effectRef>
+          <a:fontRef idx="minor">
+            <a:schemeClr val="lt1"/>
+          </a:fontRef>
+        </p:style>
+        <p:txBody>
+          <a:bodyPr rtlCol="0" anchor="ctr"/>
+          <a:lstStyle/>
+          <a:p>
+            <a:pPr algn="ctr"/>
+            <a:endParaRPr lang="en-US"/>
+          </a:p>
+        </p:txBody>
+      </p:sp>
+      <p:cxnSp>
+        <p:nvCxnSpPr>
+          <p:cNvPr id="75" name="直線コネクタ 74">
+            <a:extLst>
+              <a:ext uri="{FF2B5EF4-FFF2-40B4-BE49-F238E27FC236}">
+                <a16:creationId xmlns:a16="http://schemas.microsoft.com/office/drawing/2014/main" id="{663447C6-5929-4D62-B4BF-D31F016F17C1}"/>
+              </a:ext>
+            </a:extLst>
+          </p:cNvPr>
+          <p:cNvCxnSpPr>
+            <a:cxnSpLocks/>
+          </p:cNvCxnSpPr>
+          <p:nvPr/>
+        </p:nvCxnSpPr>
+        <p:spPr>
+          <a:xfrm flipV="1">
+            <a:off x="3503897" y="368497"/>
+            <a:ext cx="1441979" cy="1552130"/>
+          </a:xfrm>
+          <a:prstGeom prst="line">
+            <a:avLst/>
+          </a:prstGeom>
+          <a:ln w="38100">
+            <a:solidFill>
+              <a:schemeClr val="tx2">
                 <a:lumMod val="50000"/>
               </a:schemeClr>
             </a:solidFill>
-          </p:spPr>
-          <p:style>
-            <a:lnRef idx="2">
-              <a:schemeClr val="accent1">
-                <a:shade val="50000"/>
-              </a:schemeClr>
-            </a:lnRef>
-            <a:fillRef idx="1">
-              <a:schemeClr val="accent1"/>
-            </a:fillRef>
-            <a:effectRef idx="0">
-              <a:schemeClr val="accent1"/>
-            </a:effectRef>
-            <a:fontRef idx="minor">
-              <a:schemeClr val="lt1"/>
-            </a:fontRef>
-          </p:style>
-          <p:txBody>
-            <a:bodyPr rtlCol="0" anchor="ctr"/>
-            <a:lstStyle/>
-            <a:p>
-              <a:pPr algn="ctr"/>
-              <a:endParaRPr lang="en-US"/>
-            </a:p>
-          </p:txBody>
-        </p:sp>
-        <p:sp>
-          <p:nvSpPr>
-            <p:cNvPr id="56" name="楕円 55">
-              <a:extLst>
-                <a:ext uri="{FF2B5EF4-FFF2-40B4-BE49-F238E27FC236}">
-                  <a16:creationId xmlns:a16="http://schemas.microsoft.com/office/drawing/2014/main" id="{C17B80AD-62C0-4DC0-A635-23F861FD5288}"/>
-                </a:ext>
-              </a:extLst>
-            </p:cNvPr>
-            <p:cNvSpPr/>
-            <p:nvPr/>
-          </p:nvSpPr>
-          <p:spPr>
-            <a:xfrm>
-              <a:off x="5460274" y="2656113"/>
-              <a:ext cx="209005" cy="200297"/>
-            </a:xfrm>
-            <a:prstGeom prst="ellipse">
-              <a:avLst/>
-            </a:prstGeom>
+          </a:ln>
+        </p:spPr>
+        <p:style>
+          <a:lnRef idx="1">
+            <a:schemeClr val="accent1"/>
+          </a:lnRef>
+          <a:fillRef idx="0">
+            <a:schemeClr val="accent1"/>
+          </a:fillRef>
+          <a:effectRef idx="0">
+            <a:schemeClr val="accent1"/>
+          </a:effectRef>
+          <a:fontRef idx="minor">
+            <a:schemeClr val="tx1"/>
+          </a:fontRef>
+        </p:style>
+      </p:cxnSp>
+      <p:cxnSp>
+        <p:nvCxnSpPr>
+          <p:cNvPr id="76" name="直線コネクタ 75">
+            <a:extLst>
+              <a:ext uri="{FF2B5EF4-FFF2-40B4-BE49-F238E27FC236}">
+                <a16:creationId xmlns:a16="http://schemas.microsoft.com/office/drawing/2014/main" id="{A69C61C4-4654-4D13-AC37-07C2542FD79A}"/>
+              </a:ext>
+            </a:extLst>
+          </p:cNvPr>
+          <p:cNvCxnSpPr>
+            <a:cxnSpLocks/>
+          </p:cNvCxnSpPr>
+          <p:nvPr/>
+        </p:nvCxnSpPr>
+        <p:spPr>
+          <a:xfrm flipV="1">
+            <a:off x="3554537" y="641642"/>
+            <a:ext cx="1352030" cy="1048202"/>
+          </a:xfrm>
+          <a:prstGeom prst="line">
+            <a:avLst/>
+          </a:prstGeom>
+          <a:ln w="38100">
             <a:solidFill>
-              <a:schemeClr val="accent2">
-                <a:lumMod val="60000"/>
-                <a:lumOff val="40000"/>
+              <a:schemeClr val="tx2">
+                <a:lumMod val="50000"/>
               </a:schemeClr>
             </a:solidFill>
-          </p:spPr>
-          <p:style>
-            <a:lnRef idx="2">
-              <a:schemeClr val="accent1">
-                <a:shade val="50000"/>
-              </a:schemeClr>
-            </a:lnRef>
-            <a:fillRef idx="1">
-              <a:schemeClr val="accent1"/>
-            </a:fillRef>
-            <a:effectRef idx="0">
-              <a:schemeClr val="accent1"/>
-            </a:effectRef>
-            <a:fontRef idx="minor">
-              <a:schemeClr val="lt1"/>
-            </a:fontRef>
-          </p:style>
-          <p:txBody>
-            <a:bodyPr rtlCol="0" anchor="ctr"/>
-            <a:lstStyle/>
-            <a:p>
-              <a:pPr algn="ctr"/>
-              <a:endParaRPr lang="en-US"/>
-            </a:p>
-          </p:txBody>
-        </p:sp>
-        <p:sp>
-          <p:nvSpPr>
-            <p:cNvPr id="57" name="楕円 56">
-              <a:extLst>
-                <a:ext uri="{FF2B5EF4-FFF2-40B4-BE49-F238E27FC236}">
-                  <a16:creationId xmlns:a16="http://schemas.microsoft.com/office/drawing/2014/main" id="{D100167D-9644-429F-A594-36FCEE88F1BF}"/>
-                </a:ext>
-              </a:extLst>
-            </p:cNvPr>
-            <p:cNvSpPr/>
-            <p:nvPr/>
-          </p:nvSpPr>
-          <p:spPr>
-            <a:xfrm>
-              <a:off x="5464624" y="2869475"/>
-              <a:ext cx="209005" cy="200297"/>
-            </a:xfrm>
-            <a:prstGeom prst="ellipse">
-              <a:avLst/>
-            </a:prstGeom>
-            <a:solidFill>
-              <a:schemeClr val="accent2">
-                <a:lumMod val="60000"/>
-                <a:lumOff val="40000"/>
-              </a:schemeClr>
-            </a:solidFill>
-          </p:spPr>
-          <p:style>
-            <a:lnRef idx="2">
-              <a:schemeClr val="accent1">
-                <a:shade val="50000"/>
-              </a:schemeClr>
-            </a:lnRef>
-            <a:fillRef idx="1">
-              <a:schemeClr val="accent1"/>
-            </a:fillRef>
-            <a:effectRef idx="0">
-              <a:schemeClr val="accent1"/>
-            </a:effectRef>
-            <a:fontRef idx="minor">
-              <a:schemeClr val="lt1"/>
-            </a:fontRef>
-          </p:style>
-          <p:txBody>
-            <a:bodyPr rtlCol="0" anchor="ctr"/>
-            <a:lstStyle/>
-            <a:p>
-              <a:pPr algn="ctr"/>
-              <a:endParaRPr lang="en-US"/>
-            </a:p>
-          </p:txBody>
-        </p:sp>
-        <p:sp>
-          <p:nvSpPr>
-            <p:cNvPr id="58" name="楕円 57">
-              <a:extLst>
-                <a:ext uri="{FF2B5EF4-FFF2-40B4-BE49-F238E27FC236}">
-                  <a16:creationId xmlns:a16="http://schemas.microsoft.com/office/drawing/2014/main" id="{6EC89F48-188F-4500-ABB3-1979A2FA54CF}"/>
-                </a:ext>
-              </a:extLst>
-            </p:cNvPr>
-            <p:cNvSpPr/>
-            <p:nvPr/>
-          </p:nvSpPr>
-          <p:spPr>
-            <a:xfrm>
-              <a:off x="5460269" y="3100256"/>
-              <a:ext cx="209005" cy="200297"/>
-            </a:xfrm>
-            <a:prstGeom prst="ellipse">
-              <a:avLst/>
-            </a:prstGeom>
-            <a:solidFill>
-              <a:schemeClr val="accent2">
-                <a:lumMod val="60000"/>
-                <a:lumOff val="40000"/>
-              </a:schemeClr>
-            </a:solidFill>
-          </p:spPr>
-          <p:style>
-            <a:lnRef idx="2">
-              <a:schemeClr val="accent1">
-                <a:shade val="50000"/>
-              </a:schemeClr>
-            </a:lnRef>
-            <a:fillRef idx="1">
-              <a:schemeClr val="accent1"/>
-            </a:fillRef>
-            <a:effectRef idx="0">
-              <a:schemeClr val="accent1"/>
-            </a:effectRef>
-            <a:fontRef idx="minor">
-              <a:schemeClr val="lt1"/>
-            </a:fontRef>
-          </p:style>
-          <p:txBody>
-            <a:bodyPr rtlCol="0" anchor="ctr"/>
-            <a:lstStyle/>
-            <a:p>
-              <a:pPr algn="ctr"/>
-              <a:endParaRPr lang="en-US"/>
-            </a:p>
-          </p:txBody>
-        </p:sp>
-        <p:sp>
-          <p:nvSpPr>
-            <p:cNvPr id="59" name="楕円 58">
-              <a:extLst>
-                <a:ext uri="{FF2B5EF4-FFF2-40B4-BE49-F238E27FC236}">
-                  <a16:creationId xmlns:a16="http://schemas.microsoft.com/office/drawing/2014/main" id="{53B0FFCD-E6C2-4CE8-B2DD-0220C9EF9167}"/>
-                </a:ext>
-              </a:extLst>
-            </p:cNvPr>
-            <p:cNvSpPr/>
-            <p:nvPr/>
-          </p:nvSpPr>
-          <p:spPr>
-            <a:xfrm>
-              <a:off x="5464621" y="3322325"/>
-              <a:ext cx="209005" cy="200297"/>
-            </a:xfrm>
-            <a:prstGeom prst="ellipse">
-              <a:avLst/>
-            </a:prstGeom>
-            <a:solidFill>
-              <a:schemeClr val="accent2">
-                <a:lumMod val="60000"/>
-                <a:lumOff val="40000"/>
-              </a:schemeClr>
-            </a:solidFill>
-          </p:spPr>
-          <p:style>
-            <a:lnRef idx="2">
-              <a:schemeClr val="accent1">
-                <a:shade val="50000"/>
-              </a:schemeClr>
-            </a:lnRef>
-            <a:fillRef idx="1">
-              <a:schemeClr val="accent1"/>
-            </a:fillRef>
-            <a:effectRef idx="0">
-              <a:schemeClr val="accent1"/>
-            </a:effectRef>
-            <a:fontRef idx="minor">
-              <a:schemeClr val="lt1"/>
-            </a:fontRef>
-          </p:style>
-          <p:txBody>
-            <a:bodyPr rtlCol="0" anchor="ctr"/>
-            <a:lstStyle/>
-            <a:p>
-              <a:pPr algn="ctr"/>
-              <a:endParaRPr lang="en-US"/>
-            </a:p>
-          </p:txBody>
-        </p:sp>
-        <p:sp>
-          <p:nvSpPr>
-            <p:cNvPr id="60" name="楕円 59">
-              <a:extLst>
-                <a:ext uri="{FF2B5EF4-FFF2-40B4-BE49-F238E27FC236}">
-                  <a16:creationId xmlns:a16="http://schemas.microsoft.com/office/drawing/2014/main" id="{3892306B-C2D4-4CC9-8C87-0EFE47D62189}"/>
-                </a:ext>
-              </a:extLst>
-            </p:cNvPr>
-            <p:cNvSpPr/>
-            <p:nvPr/>
-          </p:nvSpPr>
-          <p:spPr>
-            <a:xfrm>
-              <a:off x="5464624" y="3566155"/>
-              <a:ext cx="209005" cy="200297"/>
-            </a:xfrm>
-            <a:prstGeom prst="ellipse">
-              <a:avLst/>
-            </a:prstGeom>
-            <a:solidFill>
-              <a:schemeClr val="accent2">
-                <a:lumMod val="60000"/>
-                <a:lumOff val="40000"/>
-              </a:schemeClr>
-            </a:solidFill>
-          </p:spPr>
-          <p:style>
-            <a:lnRef idx="2">
-              <a:schemeClr val="accent1">
-                <a:shade val="50000"/>
-              </a:schemeClr>
-            </a:lnRef>
-            <a:fillRef idx="1">
-              <a:schemeClr val="accent1"/>
-            </a:fillRef>
-            <a:effectRef idx="0">
-              <a:schemeClr val="accent1"/>
-            </a:effectRef>
-            <a:fontRef idx="minor">
-              <a:schemeClr val="lt1"/>
-            </a:fontRef>
-          </p:style>
-          <p:txBody>
-            <a:bodyPr rtlCol="0" anchor="ctr"/>
-            <a:lstStyle/>
-            <a:p>
-              <a:pPr algn="ctr"/>
-              <a:endParaRPr lang="en-US"/>
-            </a:p>
-          </p:txBody>
-        </p:sp>
-        <p:sp>
-          <p:nvSpPr>
-            <p:cNvPr id="61" name="楕円 60">
-              <a:extLst>
-                <a:ext uri="{FF2B5EF4-FFF2-40B4-BE49-F238E27FC236}">
-                  <a16:creationId xmlns:a16="http://schemas.microsoft.com/office/drawing/2014/main" id="{5902069A-3255-463B-BBD7-CB4342B474D4}"/>
-                </a:ext>
-              </a:extLst>
-            </p:cNvPr>
-            <p:cNvSpPr/>
-            <p:nvPr/>
-          </p:nvSpPr>
-          <p:spPr>
-            <a:xfrm>
-              <a:off x="5460265" y="3779517"/>
-              <a:ext cx="209005" cy="200297"/>
-            </a:xfrm>
-            <a:prstGeom prst="ellipse">
-              <a:avLst/>
-            </a:prstGeom>
-            <a:solidFill>
-              <a:schemeClr val="accent2">
-                <a:lumMod val="60000"/>
-                <a:lumOff val="40000"/>
-              </a:schemeClr>
-            </a:solidFill>
-          </p:spPr>
-          <p:style>
-            <a:lnRef idx="2">
-              <a:schemeClr val="accent1">
-                <a:shade val="50000"/>
-              </a:schemeClr>
-            </a:lnRef>
-            <a:fillRef idx="1">
-              <a:schemeClr val="accent1"/>
-            </a:fillRef>
-            <a:effectRef idx="0">
-              <a:schemeClr val="accent1"/>
-            </a:effectRef>
-            <a:fontRef idx="minor">
-              <a:schemeClr val="lt1"/>
-            </a:fontRef>
-          </p:style>
-          <p:txBody>
-            <a:bodyPr rtlCol="0" anchor="ctr"/>
-            <a:lstStyle/>
-            <a:p>
-              <a:pPr algn="ctr"/>
-              <a:endParaRPr lang="en-US"/>
-            </a:p>
-          </p:txBody>
-        </p:sp>
-        <p:sp>
-          <p:nvSpPr>
-            <p:cNvPr id="62" name="楕円 61">
-              <a:extLst>
-                <a:ext uri="{FF2B5EF4-FFF2-40B4-BE49-F238E27FC236}">
-                  <a16:creationId xmlns:a16="http://schemas.microsoft.com/office/drawing/2014/main" id="{55DE20BB-AB28-4FE4-9B61-637403958695}"/>
-                </a:ext>
-              </a:extLst>
-            </p:cNvPr>
-            <p:cNvSpPr/>
-            <p:nvPr/>
-          </p:nvSpPr>
-          <p:spPr>
-            <a:xfrm>
-              <a:off x="5464619" y="4010298"/>
-              <a:ext cx="209005" cy="200297"/>
-            </a:xfrm>
-            <a:prstGeom prst="ellipse">
-              <a:avLst/>
-            </a:prstGeom>
-            <a:solidFill>
-              <a:schemeClr val="accent2">
-                <a:lumMod val="60000"/>
-                <a:lumOff val="40000"/>
-              </a:schemeClr>
-            </a:solidFill>
-          </p:spPr>
-          <p:style>
-            <a:lnRef idx="2">
-              <a:schemeClr val="accent1">
-                <a:shade val="50000"/>
-              </a:schemeClr>
-            </a:lnRef>
-            <a:fillRef idx="1">
-              <a:schemeClr val="accent1"/>
-            </a:fillRef>
-            <a:effectRef idx="0">
-              <a:schemeClr val="accent1"/>
-            </a:effectRef>
-            <a:fontRef idx="minor">
-              <a:schemeClr val="lt1"/>
-            </a:fontRef>
-          </p:style>
-          <p:txBody>
-            <a:bodyPr rtlCol="0" anchor="ctr"/>
-            <a:lstStyle/>
-            <a:p>
-              <a:pPr algn="ctr"/>
-              <a:endParaRPr lang="en-US"/>
-            </a:p>
-          </p:txBody>
-        </p:sp>
-        <p:sp>
-          <p:nvSpPr>
-            <p:cNvPr id="63" name="テキスト ボックス 62">
-              <a:extLst>
-                <a:ext uri="{FF2B5EF4-FFF2-40B4-BE49-F238E27FC236}">
-                  <a16:creationId xmlns:a16="http://schemas.microsoft.com/office/drawing/2014/main" id="{E37A606F-8D07-4719-866E-29AB36548218}"/>
-                </a:ext>
-              </a:extLst>
-            </p:cNvPr>
-            <p:cNvSpPr txBox="1"/>
-            <p:nvPr/>
-          </p:nvSpPr>
-          <p:spPr>
-            <a:xfrm>
-              <a:off x="5637429" y="3978033"/>
-              <a:ext cx="606616" cy="319636"/>
-            </a:xfrm>
-            <a:prstGeom prst="rect">
-              <a:avLst/>
-            </a:prstGeom>
-            <a:noFill/>
-          </p:spPr>
-          <p:txBody>
-            <a:bodyPr wrap="square" rtlCol="0">
-              <a:spAutoFit/>
-            </a:bodyPr>
-            <a:lstStyle/>
-            <a:p>
-              <a:r>
-                <a:rPr lang="en-US" sz="1400" dirty="0">
-                  <a:solidFill>
-                    <a:schemeClr val="bg1"/>
-                  </a:solidFill>
-                </a:rPr>
-                <a:t>VCC</a:t>
-              </a:r>
-            </a:p>
-          </p:txBody>
-        </p:sp>
-        <p:sp>
-          <p:nvSpPr>
-            <p:cNvPr id="64" name="テキスト ボックス 63">
-              <a:extLst>
-                <a:ext uri="{FF2B5EF4-FFF2-40B4-BE49-F238E27FC236}">
-                  <a16:creationId xmlns:a16="http://schemas.microsoft.com/office/drawing/2014/main" id="{624F94B1-F05E-450B-90E8-67BD0E016E82}"/>
-                </a:ext>
-              </a:extLst>
-            </p:cNvPr>
-            <p:cNvSpPr txBox="1"/>
-            <p:nvPr/>
-          </p:nvSpPr>
-          <p:spPr>
-            <a:xfrm>
-              <a:off x="5624361" y="3738549"/>
-              <a:ext cx="606616" cy="319636"/>
-            </a:xfrm>
-            <a:prstGeom prst="rect">
-              <a:avLst/>
-            </a:prstGeom>
-            <a:noFill/>
-          </p:spPr>
-          <p:txBody>
-            <a:bodyPr wrap="square" rtlCol="0">
-              <a:spAutoFit/>
-            </a:bodyPr>
-            <a:lstStyle/>
-            <a:p>
-              <a:r>
-                <a:rPr lang="en-US" sz="1400" dirty="0">
-                  <a:solidFill>
-                    <a:schemeClr val="bg1"/>
-                  </a:solidFill>
-                </a:rPr>
-                <a:t>GND</a:t>
-              </a:r>
-            </a:p>
-          </p:txBody>
-        </p:sp>
-        <p:sp>
-          <p:nvSpPr>
-            <p:cNvPr id="65" name="テキスト ボックス 64">
-              <a:extLst>
-                <a:ext uri="{FF2B5EF4-FFF2-40B4-BE49-F238E27FC236}">
-                  <a16:creationId xmlns:a16="http://schemas.microsoft.com/office/drawing/2014/main" id="{5FD6B350-4936-4191-9B0A-1D9B59C8A63B}"/>
-                </a:ext>
-              </a:extLst>
-            </p:cNvPr>
-            <p:cNvSpPr txBox="1"/>
-            <p:nvPr/>
-          </p:nvSpPr>
-          <p:spPr>
-            <a:xfrm>
-              <a:off x="5628716" y="3525184"/>
-              <a:ext cx="606616" cy="319636"/>
-            </a:xfrm>
-            <a:prstGeom prst="rect">
-              <a:avLst/>
-            </a:prstGeom>
-            <a:noFill/>
-          </p:spPr>
-          <p:txBody>
-            <a:bodyPr wrap="square" rtlCol="0">
-              <a:spAutoFit/>
-            </a:bodyPr>
-            <a:lstStyle/>
-            <a:p>
-              <a:r>
-                <a:rPr lang="en-US" sz="1400" dirty="0">
-                  <a:solidFill>
-                    <a:schemeClr val="bg1"/>
-                  </a:solidFill>
-                </a:rPr>
-                <a:t>CS</a:t>
-              </a:r>
-            </a:p>
-          </p:txBody>
-        </p:sp>
-        <p:sp>
-          <p:nvSpPr>
-            <p:cNvPr id="66" name="テキスト ボックス 65">
-              <a:extLst>
-                <a:ext uri="{FF2B5EF4-FFF2-40B4-BE49-F238E27FC236}">
-                  <a16:creationId xmlns:a16="http://schemas.microsoft.com/office/drawing/2014/main" id="{AA35EDE2-7033-4FA6-9A69-53344DED5B58}"/>
-                </a:ext>
-              </a:extLst>
-            </p:cNvPr>
-            <p:cNvSpPr txBox="1"/>
-            <p:nvPr/>
-          </p:nvSpPr>
-          <p:spPr>
-            <a:xfrm>
-              <a:off x="5624359" y="3285699"/>
-              <a:ext cx="606616" cy="319636"/>
-            </a:xfrm>
-            <a:prstGeom prst="rect">
-              <a:avLst/>
-            </a:prstGeom>
-            <a:noFill/>
-          </p:spPr>
-          <p:txBody>
-            <a:bodyPr wrap="square" rtlCol="0">
-              <a:spAutoFit/>
-            </a:bodyPr>
-            <a:lstStyle/>
-            <a:p>
-              <a:r>
-                <a:rPr lang="en-US" sz="1400" dirty="0">
-                  <a:solidFill>
-                    <a:schemeClr val="bg1"/>
-                  </a:solidFill>
-                </a:rPr>
-                <a:t>SO</a:t>
-              </a:r>
-            </a:p>
-          </p:txBody>
-        </p:sp>
-        <p:sp>
-          <p:nvSpPr>
-            <p:cNvPr id="67" name="テキスト ボックス 66">
-              <a:extLst>
-                <a:ext uri="{FF2B5EF4-FFF2-40B4-BE49-F238E27FC236}">
-                  <a16:creationId xmlns:a16="http://schemas.microsoft.com/office/drawing/2014/main" id="{D2D776BC-54E3-45CB-942A-D5C96159EF71}"/>
-                </a:ext>
-              </a:extLst>
-            </p:cNvPr>
-            <p:cNvSpPr txBox="1"/>
-            <p:nvPr/>
-          </p:nvSpPr>
-          <p:spPr>
-            <a:xfrm>
-              <a:off x="5628712" y="3054923"/>
-              <a:ext cx="606616" cy="319636"/>
-            </a:xfrm>
-            <a:prstGeom prst="rect">
-              <a:avLst/>
-            </a:prstGeom>
-            <a:noFill/>
-          </p:spPr>
-          <p:txBody>
-            <a:bodyPr wrap="square" rtlCol="0">
-              <a:spAutoFit/>
-            </a:bodyPr>
-            <a:lstStyle/>
-            <a:p>
-              <a:r>
-                <a:rPr lang="en-US" sz="1400" dirty="0">
-                  <a:solidFill>
-                    <a:schemeClr val="bg1"/>
-                  </a:solidFill>
-                </a:rPr>
-                <a:t>SI</a:t>
-              </a:r>
-            </a:p>
-          </p:txBody>
-        </p:sp>
-        <p:sp>
-          <p:nvSpPr>
-            <p:cNvPr id="68" name="テキスト ボックス 67">
-              <a:extLst>
-                <a:ext uri="{FF2B5EF4-FFF2-40B4-BE49-F238E27FC236}">
-                  <a16:creationId xmlns:a16="http://schemas.microsoft.com/office/drawing/2014/main" id="{BDA201A6-66DD-4310-9964-C534137E2F0F}"/>
-                </a:ext>
-              </a:extLst>
-            </p:cNvPr>
-            <p:cNvSpPr txBox="1"/>
-            <p:nvPr/>
-          </p:nvSpPr>
-          <p:spPr>
-            <a:xfrm>
-              <a:off x="5624352" y="2824140"/>
-              <a:ext cx="606616" cy="319636"/>
-            </a:xfrm>
-            <a:prstGeom prst="rect">
-              <a:avLst/>
-            </a:prstGeom>
-            <a:noFill/>
-          </p:spPr>
-          <p:txBody>
-            <a:bodyPr wrap="square" rtlCol="0">
-              <a:spAutoFit/>
-            </a:bodyPr>
-            <a:lstStyle/>
-            <a:p>
-              <a:r>
-                <a:rPr lang="en-US" sz="1400" dirty="0">
-                  <a:solidFill>
-                    <a:schemeClr val="bg1"/>
-                  </a:solidFill>
-                </a:rPr>
-                <a:t>SCK</a:t>
-              </a:r>
-            </a:p>
-          </p:txBody>
-        </p:sp>
-        <p:sp>
-          <p:nvSpPr>
-            <p:cNvPr id="69" name="テキスト ボックス 68">
-              <a:extLst>
-                <a:ext uri="{FF2B5EF4-FFF2-40B4-BE49-F238E27FC236}">
-                  <a16:creationId xmlns:a16="http://schemas.microsoft.com/office/drawing/2014/main" id="{C0F7742C-0CCF-49D0-93FA-EF0C31F70169}"/>
-                </a:ext>
-              </a:extLst>
-            </p:cNvPr>
-            <p:cNvSpPr txBox="1"/>
-            <p:nvPr/>
-          </p:nvSpPr>
-          <p:spPr>
-            <a:xfrm>
-              <a:off x="5628704" y="2610781"/>
-              <a:ext cx="606616" cy="319636"/>
-            </a:xfrm>
-            <a:prstGeom prst="rect">
-              <a:avLst/>
-            </a:prstGeom>
-            <a:noFill/>
-          </p:spPr>
-          <p:txBody>
-            <a:bodyPr wrap="square" rtlCol="0">
-              <a:spAutoFit/>
-            </a:bodyPr>
-            <a:lstStyle/>
-            <a:p>
-              <a:r>
-                <a:rPr lang="en-US" sz="1400" dirty="0">
-                  <a:solidFill>
-                    <a:schemeClr val="bg1"/>
-                  </a:solidFill>
-                </a:rPr>
-                <a:t>INT</a:t>
-              </a:r>
-            </a:p>
-          </p:txBody>
-        </p:sp>
-        <p:cxnSp>
-          <p:nvCxnSpPr>
-            <p:cNvPr id="70" name="直線コネクタ 69">
-              <a:extLst>
-                <a:ext uri="{FF2B5EF4-FFF2-40B4-BE49-F238E27FC236}">
-                  <a16:creationId xmlns:a16="http://schemas.microsoft.com/office/drawing/2014/main" id="{2FA724D0-A389-4787-BF6E-E3500D5ECB87}"/>
-                </a:ext>
-              </a:extLst>
-            </p:cNvPr>
-            <p:cNvCxnSpPr>
-              <a:cxnSpLocks/>
-              <a:endCxn id="59" idx="3"/>
-            </p:cNvCxnSpPr>
-            <p:nvPr/>
-          </p:nvCxnSpPr>
-          <p:spPr>
-            <a:xfrm flipV="1">
-              <a:off x="3976882" y="3493289"/>
-              <a:ext cx="1518347" cy="386376"/>
-            </a:xfrm>
-            <a:prstGeom prst="line">
-              <a:avLst/>
-            </a:prstGeom>
-            <a:ln w="38100">
-              <a:solidFill>
-                <a:schemeClr val="accent6">
-                  <a:lumMod val="75000"/>
-                </a:schemeClr>
-              </a:solidFill>
-            </a:ln>
-          </p:spPr>
-          <p:style>
-            <a:lnRef idx="1">
-              <a:schemeClr val="accent1"/>
-            </a:lnRef>
-            <a:fillRef idx="0">
-              <a:schemeClr val="accent1"/>
-            </a:fillRef>
-            <a:effectRef idx="0">
-              <a:schemeClr val="accent1"/>
-            </a:effectRef>
-            <a:fontRef idx="minor">
-              <a:schemeClr val="tx1"/>
-            </a:fontRef>
-          </p:style>
-        </p:cxnSp>
-        <p:cxnSp>
-          <p:nvCxnSpPr>
-            <p:cNvPr id="71" name="直線コネクタ 70">
-              <a:extLst>
-                <a:ext uri="{FF2B5EF4-FFF2-40B4-BE49-F238E27FC236}">
-                  <a16:creationId xmlns:a16="http://schemas.microsoft.com/office/drawing/2014/main" id="{B27612D8-8F13-4F9D-82E1-B7B21FBA04A3}"/>
-                </a:ext>
-              </a:extLst>
-            </p:cNvPr>
-            <p:cNvCxnSpPr>
-              <a:cxnSpLocks/>
-              <a:endCxn id="57" idx="2"/>
-            </p:cNvCxnSpPr>
-            <p:nvPr/>
-          </p:nvCxnSpPr>
-          <p:spPr>
-            <a:xfrm flipV="1">
-              <a:off x="3989896" y="2969624"/>
-              <a:ext cx="1474728" cy="696679"/>
-            </a:xfrm>
-            <a:prstGeom prst="line">
-              <a:avLst/>
-            </a:prstGeom>
-            <a:ln w="38100">
-              <a:solidFill>
-                <a:schemeClr val="accent5">
-                  <a:lumMod val="75000"/>
-                </a:schemeClr>
-              </a:solidFill>
-            </a:ln>
-          </p:spPr>
-          <p:style>
-            <a:lnRef idx="1">
-              <a:schemeClr val="accent1"/>
-            </a:lnRef>
-            <a:fillRef idx="0">
-              <a:schemeClr val="accent1"/>
-            </a:fillRef>
-            <a:effectRef idx="0">
-              <a:schemeClr val="accent1"/>
-            </a:effectRef>
-            <a:fontRef idx="minor">
-              <a:schemeClr val="tx1"/>
-            </a:fontRef>
-          </p:style>
-        </p:cxnSp>
-        <p:cxnSp>
-          <p:nvCxnSpPr>
-            <p:cNvPr id="72" name="直線コネクタ 71">
-              <a:extLst>
-                <a:ext uri="{FF2B5EF4-FFF2-40B4-BE49-F238E27FC236}">
-                  <a16:creationId xmlns:a16="http://schemas.microsoft.com/office/drawing/2014/main" id="{5F0E1F93-5542-4E8F-966A-3178AC9FCA36}"/>
-                </a:ext>
-              </a:extLst>
-            </p:cNvPr>
-            <p:cNvCxnSpPr>
-              <a:cxnSpLocks/>
-              <a:endCxn id="58" idx="3"/>
-            </p:cNvCxnSpPr>
-            <p:nvPr/>
-          </p:nvCxnSpPr>
-          <p:spPr>
-            <a:xfrm flipV="1">
-              <a:off x="4046502" y="3271220"/>
-              <a:ext cx="1444375" cy="792583"/>
-            </a:xfrm>
-            <a:prstGeom prst="line">
-              <a:avLst/>
-            </a:prstGeom>
-            <a:ln w="38100">
-              <a:solidFill>
-                <a:schemeClr val="accent2">
-                  <a:lumMod val="75000"/>
-                </a:schemeClr>
-              </a:solidFill>
-            </a:ln>
-          </p:spPr>
-          <p:style>
-            <a:lnRef idx="1">
-              <a:schemeClr val="accent1"/>
-            </a:lnRef>
-            <a:fillRef idx="0">
-              <a:schemeClr val="accent1"/>
-            </a:fillRef>
-            <a:effectRef idx="0">
-              <a:schemeClr val="accent1"/>
-            </a:effectRef>
-            <a:fontRef idx="minor">
-              <a:schemeClr val="tx1"/>
-            </a:fontRef>
-          </p:style>
-        </p:cxnSp>
-        <p:cxnSp>
-          <p:nvCxnSpPr>
-            <p:cNvPr id="73" name="直線コネクタ 72">
-              <a:extLst>
-                <a:ext uri="{FF2B5EF4-FFF2-40B4-BE49-F238E27FC236}">
-                  <a16:creationId xmlns:a16="http://schemas.microsoft.com/office/drawing/2014/main" id="{7E6197E0-11BA-40F7-8741-727C527586AC}"/>
-                </a:ext>
-              </a:extLst>
-            </p:cNvPr>
-            <p:cNvCxnSpPr>
-              <a:cxnSpLocks/>
-              <a:endCxn id="60" idx="2"/>
-            </p:cNvCxnSpPr>
-            <p:nvPr/>
-          </p:nvCxnSpPr>
-          <p:spPr>
-            <a:xfrm>
-              <a:off x="1759131" y="3240736"/>
-              <a:ext cx="3705493" cy="425568"/>
-            </a:xfrm>
-            <a:prstGeom prst="line">
-              <a:avLst/>
-            </a:prstGeom>
-            <a:ln w="38100">
-              <a:solidFill>
-                <a:srgbClr val="FFC000"/>
-              </a:solidFill>
-            </a:ln>
-          </p:spPr>
-          <p:style>
-            <a:lnRef idx="1">
-              <a:schemeClr val="accent1"/>
-            </a:lnRef>
-            <a:fillRef idx="0">
-              <a:schemeClr val="accent1"/>
-            </a:fillRef>
-            <a:effectRef idx="0">
-              <a:schemeClr val="accent1"/>
-            </a:effectRef>
-            <a:fontRef idx="minor">
-              <a:schemeClr val="tx1"/>
-            </a:fontRef>
-          </p:style>
-        </p:cxnSp>
-        <p:sp>
-          <p:nvSpPr>
-            <p:cNvPr id="74" name="正方形/長方形 73">
-              <a:extLst>
-                <a:ext uri="{FF2B5EF4-FFF2-40B4-BE49-F238E27FC236}">
-                  <a16:creationId xmlns:a16="http://schemas.microsoft.com/office/drawing/2014/main" id="{E2139B62-7667-4153-BB14-61CAA8621A60}"/>
-                </a:ext>
-              </a:extLst>
-            </p:cNvPr>
-            <p:cNvSpPr/>
-            <p:nvPr/>
-          </p:nvSpPr>
-          <p:spPr>
-            <a:xfrm>
-              <a:off x="8325402" y="2882537"/>
-              <a:ext cx="687977" cy="1114697"/>
-            </a:xfrm>
-            <a:prstGeom prst="rect">
-              <a:avLst/>
-            </a:prstGeom>
-            <a:solidFill>
-              <a:srgbClr val="00B0F0"/>
-            </a:solidFill>
-          </p:spPr>
-          <p:style>
-            <a:lnRef idx="2">
-              <a:schemeClr val="accent1">
-                <a:shade val="50000"/>
-              </a:schemeClr>
-            </a:lnRef>
-            <a:fillRef idx="1">
-              <a:schemeClr val="accent1"/>
-            </a:fillRef>
-            <a:effectRef idx="0">
-              <a:schemeClr val="accent1"/>
-            </a:effectRef>
-            <a:fontRef idx="minor">
-              <a:schemeClr val="lt1"/>
-            </a:fontRef>
-          </p:style>
-          <p:txBody>
-            <a:bodyPr rtlCol="0" anchor="ctr"/>
-            <a:lstStyle/>
-            <a:p>
-              <a:pPr algn="ctr"/>
-              <a:endParaRPr lang="en-US"/>
-            </a:p>
-          </p:txBody>
-        </p:sp>
-        <p:cxnSp>
-          <p:nvCxnSpPr>
-            <p:cNvPr id="75" name="直線コネクタ 74">
-              <a:extLst>
-                <a:ext uri="{FF2B5EF4-FFF2-40B4-BE49-F238E27FC236}">
-                  <a16:creationId xmlns:a16="http://schemas.microsoft.com/office/drawing/2014/main" id="{663447C6-5929-4D62-B4BF-D31F016F17C1}"/>
-                </a:ext>
-              </a:extLst>
-            </p:cNvPr>
-            <p:cNvCxnSpPr>
-              <a:cxnSpLocks/>
-            </p:cNvCxnSpPr>
-            <p:nvPr/>
-          </p:nvCxnSpPr>
-          <p:spPr>
-            <a:xfrm>
-              <a:off x="1863634" y="3679368"/>
-              <a:ext cx="1108840" cy="1456843"/>
-            </a:xfrm>
-            <a:prstGeom prst="line">
-              <a:avLst/>
-            </a:prstGeom>
-            <a:ln w="38100">
-              <a:solidFill>
-                <a:schemeClr val="tx2">
-                  <a:lumMod val="50000"/>
-                </a:schemeClr>
-              </a:solidFill>
-            </a:ln>
-          </p:spPr>
-          <p:style>
-            <a:lnRef idx="1">
-              <a:schemeClr val="accent1"/>
-            </a:lnRef>
-            <a:fillRef idx="0">
-              <a:schemeClr val="accent1"/>
-            </a:fillRef>
-            <a:effectRef idx="0">
-              <a:schemeClr val="accent1"/>
-            </a:effectRef>
-            <a:fontRef idx="minor">
-              <a:schemeClr val="tx1"/>
-            </a:fontRef>
-          </p:style>
-        </p:cxnSp>
-        <p:cxnSp>
-          <p:nvCxnSpPr>
-            <p:cNvPr id="76" name="直線コネクタ 75">
-              <a:extLst>
-                <a:ext uri="{FF2B5EF4-FFF2-40B4-BE49-F238E27FC236}">
-                  <a16:creationId xmlns:a16="http://schemas.microsoft.com/office/drawing/2014/main" id="{A69C61C4-4654-4D13-AC37-07C2542FD79A}"/>
-                </a:ext>
-              </a:extLst>
-            </p:cNvPr>
-            <p:cNvCxnSpPr>
-              <a:cxnSpLocks/>
-            </p:cNvCxnSpPr>
-            <p:nvPr/>
-          </p:nvCxnSpPr>
-          <p:spPr>
-            <a:xfrm>
-              <a:off x="1824446" y="3857895"/>
-              <a:ext cx="1108840" cy="1456843"/>
-            </a:xfrm>
-            <a:prstGeom prst="line">
-              <a:avLst/>
-            </a:prstGeom>
-            <a:ln w="38100">
-              <a:solidFill>
-                <a:schemeClr val="tx2">
-                  <a:lumMod val="50000"/>
-                </a:schemeClr>
-              </a:solidFill>
-            </a:ln>
-          </p:spPr>
-          <p:style>
-            <a:lnRef idx="1">
-              <a:schemeClr val="accent1"/>
-            </a:lnRef>
-            <a:fillRef idx="0">
-              <a:schemeClr val="accent1"/>
-            </a:fillRef>
-            <a:effectRef idx="0">
-              <a:schemeClr val="accent1"/>
-            </a:effectRef>
-            <a:fontRef idx="minor">
-              <a:schemeClr val="tx1"/>
-            </a:fontRef>
-          </p:style>
-        </p:cxnSp>
-        <p:sp>
-          <p:nvSpPr>
-            <p:cNvPr id="77" name="テキスト ボックス 76">
-              <a:extLst>
-                <a:ext uri="{FF2B5EF4-FFF2-40B4-BE49-F238E27FC236}">
-                  <a16:creationId xmlns:a16="http://schemas.microsoft.com/office/drawing/2014/main" id="{956CD449-3130-4F6A-86D7-0D2412F38BAF}"/>
-                </a:ext>
-              </a:extLst>
-            </p:cNvPr>
-            <p:cNvSpPr txBox="1"/>
-            <p:nvPr/>
-          </p:nvSpPr>
-          <p:spPr>
-            <a:xfrm>
-              <a:off x="2972474" y="4964609"/>
-              <a:ext cx="386131" cy="369332"/>
-            </a:xfrm>
-            <a:prstGeom prst="rect">
-              <a:avLst/>
-            </a:prstGeom>
-            <a:noFill/>
-          </p:spPr>
-          <p:txBody>
-            <a:bodyPr wrap="none" rtlCol="0">
-              <a:spAutoFit/>
-            </a:bodyPr>
-            <a:lstStyle/>
-            <a:p>
-              <a:r>
-                <a:rPr lang="en-US" dirty="0"/>
-                <a:t>Tx</a:t>
-              </a:r>
-            </a:p>
-          </p:txBody>
-        </p:sp>
-        <p:sp>
-          <p:nvSpPr>
-            <p:cNvPr id="78" name="テキスト ボックス 77">
-              <a:extLst>
-                <a:ext uri="{FF2B5EF4-FFF2-40B4-BE49-F238E27FC236}">
-                  <a16:creationId xmlns:a16="http://schemas.microsoft.com/office/drawing/2014/main" id="{AD4033D6-4380-453F-BE71-19E2DAF37DFE}"/>
-                </a:ext>
-              </a:extLst>
-            </p:cNvPr>
-            <p:cNvSpPr txBox="1"/>
-            <p:nvPr/>
-          </p:nvSpPr>
-          <p:spPr>
-            <a:xfrm>
-              <a:off x="2889741" y="5195386"/>
-              <a:ext cx="409086" cy="369332"/>
-            </a:xfrm>
-            <a:prstGeom prst="rect">
-              <a:avLst/>
-            </a:prstGeom>
-            <a:noFill/>
-          </p:spPr>
-          <p:txBody>
-            <a:bodyPr wrap="none" rtlCol="0">
-              <a:spAutoFit/>
-            </a:bodyPr>
-            <a:lstStyle/>
-            <a:p>
-              <a:r>
-                <a:rPr lang="en-US" dirty="0"/>
-                <a:t>Rx</a:t>
-              </a:r>
-            </a:p>
-          </p:txBody>
-        </p:sp>
-        <p:sp>
-          <p:nvSpPr>
-            <p:cNvPr id="79" name="テキスト ボックス 78">
-              <a:extLst>
-                <a:ext uri="{FF2B5EF4-FFF2-40B4-BE49-F238E27FC236}">
-                  <a16:creationId xmlns:a16="http://schemas.microsoft.com/office/drawing/2014/main" id="{468FB883-D26B-4AEC-8135-FCBE449DB6D6}"/>
-                </a:ext>
-              </a:extLst>
-            </p:cNvPr>
-            <p:cNvSpPr txBox="1"/>
-            <p:nvPr/>
-          </p:nvSpPr>
-          <p:spPr>
-            <a:xfrm>
-              <a:off x="3165539" y="5439227"/>
-              <a:ext cx="1710596" cy="369332"/>
-            </a:xfrm>
-            <a:prstGeom prst="rect">
-              <a:avLst/>
-            </a:prstGeom>
-            <a:noFill/>
-          </p:spPr>
-          <p:txBody>
-            <a:bodyPr wrap="none" rtlCol="0">
-              <a:spAutoFit/>
-            </a:bodyPr>
-            <a:lstStyle/>
-            <a:p>
-              <a:r>
-                <a:rPr lang="en-US" dirty="0"/>
-                <a:t>UART/USB(FTDI)</a:t>
-              </a:r>
-            </a:p>
-          </p:txBody>
-        </p:sp>
-        <p:cxnSp>
-          <p:nvCxnSpPr>
-            <p:cNvPr id="80" name="直線コネクタ 79">
-              <a:extLst>
-                <a:ext uri="{FF2B5EF4-FFF2-40B4-BE49-F238E27FC236}">
-                  <a16:creationId xmlns:a16="http://schemas.microsoft.com/office/drawing/2014/main" id="{FB28FADF-3CC3-4284-9588-7EB445D2ADF2}"/>
-                </a:ext>
-              </a:extLst>
-            </p:cNvPr>
-            <p:cNvCxnSpPr/>
-            <p:nvPr/>
-          </p:nvCxnSpPr>
-          <p:spPr>
-            <a:xfrm>
-              <a:off x="9013379" y="3200404"/>
-              <a:ext cx="2481935" cy="0"/>
-            </a:xfrm>
-            <a:prstGeom prst="line">
-              <a:avLst/>
-            </a:prstGeom>
-            <a:ln w="38100"/>
-          </p:spPr>
-          <p:style>
-            <a:lnRef idx="1">
-              <a:schemeClr val="accent1"/>
-            </a:lnRef>
-            <a:fillRef idx="0">
-              <a:schemeClr val="accent1"/>
-            </a:fillRef>
-            <a:effectRef idx="0">
-              <a:schemeClr val="accent1"/>
-            </a:effectRef>
-            <a:fontRef idx="minor">
-              <a:schemeClr val="tx1"/>
-            </a:fontRef>
-          </p:style>
-        </p:cxnSp>
-        <p:cxnSp>
-          <p:nvCxnSpPr>
-            <p:cNvPr id="81" name="直線コネクタ 80">
-              <a:extLst>
-                <a:ext uri="{FF2B5EF4-FFF2-40B4-BE49-F238E27FC236}">
-                  <a16:creationId xmlns:a16="http://schemas.microsoft.com/office/drawing/2014/main" id="{3D6EDA32-7164-40D3-8EEE-12D8985A89D5}"/>
-                </a:ext>
-              </a:extLst>
-            </p:cNvPr>
-            <p:cNvCxnSpPr/>
-            <p:nvPr/>
-          </p:nvCxnSpPr>
-          <p:spPr>
-            <a:xfrm>
-              <a:off x="9017731" y="3683733"/>
-              <a:ext cx="2481935" cy="0"/>
-            </a:xfrm>
-            <a:prstGeom prst="line">
-              <a:avLst/>
-            </a:prstGeom>
-            <a:ln w="38100"/>
-          </p:spPr>
-          <p:style>
-            <a:lnRef idx="1">
-              <a:schemeClr val="accent1"/>
-            </a:lnRef>
-            <a:fillRef idx="0">
-              <a:schemeClr val="accent1"/>
-            </a:fillRef>
-            <a:effectRef idx="0">
-              <a:schemeClr val="accent1"/>
-            </a:effectRef>
-            <a:fontRef idx="minor">
-              <a:schemeClr val="tx1"/>
-            </a:fontRef>
-          </p:style>
-        </p:cxnSp>
-        <p:sp>
-          <p:nvSpPr>
-            <p:cNvPr id="82" name="テキスト ボックス 81">
-              <a:extLst>
-                <a:ext uri="{FF2B5EF4-FFF2-40B4-BE49-F238E27FC236}">
-                  <a16:creationId xmlns:a16="http://schemas.microsoft.com/office/drawing/2014/main" id="{ECF32CFD-371E-4CED-B242-F2D630F66270}"/>
-                </a:ext>
-              </a:extLst>
-            </p:cNvPr>
-            <p:cNvSpPr txBox="1"/>
-            <p:nvPr/>
-          </p:nvSpPr>
-          <p:spPr>
-            <a:xfrm>
-              <a:off x="9408498" y="2803157"/>
-              <a:ext cx="734496" cy="369332"/>
-            </a:xfrm>
-            <a:prstGeom prst="rect">
-              <a:avLst/>
-            </a:prstGeom>
-            <a:noFill/>
-          </p:spPr>
-          <p:txBody>
-            <a:bodyPr wrap="none" rtlCol="0">
-              <a:spAutoFit/>
-            </a:bodyPr>
-            <a:lstStyle/>
-            <a:p>
-              <a:r>
-                <a:rPr lang="en-US" dirty="0"/>
-                <a:t>CANH</a:t>
-              </a:r>
-            </a:p>
-          </p:txBody>
-        </p:sp>
-        <p:sp>
-          <p:nvSpPr>
-            <p:cNvPr id="83" name="テキスト ボックス 82">
-              <a:extLst>
-                <a:ext uri="{FF2B5EF4-FFF2-40B4-BE49-F238E27FC236}">
-                  <a16:creationId xmlns:a16="http://schemas.microsoft.com/office/drawing/2014/main" id="{705A178F-405D-4752-9C9F-14D8118AB735}"/>
-                </a:ext>
-              </a:extLst>
-            </p:cNvPr>
-            <p:cNvSpPr txBox="1"/>
-            <p:nvPr/>
-          </p:nvSpPr>
-          <p:spPr>
-            <a:xfrm>
-              <a:off x="9430271" y="3338739"/>
-              <a:ext cx="688009" cy="369332"/>
-            </a:xfrm>
-            <a:prstGeom prst="rect">
-              <a:avLst/>
-            </a:prstGeom>
-            <a:noFill/>
-          </p:spPr>
-          <p:txBody>
-            <a:bodyPr wrap="none" rtlCol="0">
-              <a:spAutoFit/>
-            </a:bodyPr>
-            <a:lstStyle/>
-            <a:p>
-              <a:r>
-                <a:rPr lang="en-US" dirty="0"/>
-                <a:t>CANL</a:t>
-              </a:r>
-            </a:p>
-          </p:txBody>
-        </p:sp>
-        <p:sp>
-          <p:nvSpPr>
-            <p:cNvPr id="84" name="正方形/長方形 83">
-              <a:extLst>
-                <a:ext uri="{FF2B5EF4-FFF2-40B4-BE49-F238E27FC236}">
-                  <a16:creationId xmlns:a16="http://schemas.microsoft.com/office/drawing/2014/main" id="{6C5A33B2-853E-4325-AC07-E884C922F41C}"/>
-                </a:ext>
-              </a:extLst>
-            </p:cNvPr>
-            <p:cNvSpPr/>
-            <p:nvPr/>
-          </p:nvSpPr>
-          <p:spPr>
-            <a:xfrm>
-              <a:off x="7942217" y="4137851"/>
-              <a:ext cx="496389" cy="238885"/>
-            </a:xfrm>
-            <a:prstGeom prst="rect">
-              <a:avLst/>
-            </a:prstGeom>
-          </p:spPr>
-          <p:style>
-            <a:lnRef idx="2">
-              <a:schemeClr val="accent1">
-                <a:shade val="50000"/>
-              </a:schemeClr>
-            </a:lnRef>
-            <a:fillRef idx="1">
-              <a:schemeClr val="accent1"/>
-            </a:fillRef>
-            <a:effectRef idx="0">
-              <a:schemeClr val="accent1"/>
-            </a:effectRef>
-            <a:fontRef idx="minor">
-              <a:schemeClr val="lt1"/>
-            </a:fontRef>
-          </p:style>
-          <p:txBody>
-            <a:bodyPr rtlCol="0" anchor="ctr"/>
-            <a:lstStyle/>
-            <a:p>
-              <a:pPr algn="ctr"/>
-              <a:endParaRPr lang="en-US"/>
-            </a:p>
-          </p:txBody>
-        </p:sp>
-        <p:sp>
-          <p:nvSpPr>
-            <p:cNvPr id="85" name="テキスト ボックス 84">
-              <a:extLst>
-                <a:ext uri="{FF2B5EF4-FFF2-40B4-BE49-F238E27FC236}">
-                  <a16:creationId xmlns:a16="http://schemas.microsoft.com/office/drawing/2014/main" id="{C85EA358-321B-496F-AA67-8F3D0D947537}"/>
-                </a:ext>
-              </a:extLst>
-            </p:cNvPr>
-            <p:cNvSpPr txBox="1"/>
-            <p:nvPr/>
-          </p:nvSpPr>
-          <p:spPr>
-            <a:xfrm>
-              <a:off x="8438606" y="4114280"/>
-              <a:ext cx="606616" cy="319636"/>
-            </a:xfrm>
-            <a:prstGeom prst="rect">
-              <a:avLst/>
-            </a:prstGeom>
-            <a:noFill/>
-          </p:spPr>
-          <p:txBody>
-            <a:bodyPr wrap="square" rtlCol="0">
-              <a:spAutoFit/>
-            </a:bodyPr>
-            <a:lstStyle/>
-            <a:p>
-              <a:r>
-                <a:rPr lang="en-US" sz="1400" dirty="0">
-                  <a:solidFill>
-                    <a:schemeClr val="bg1"/>
-                  </a:solidFill>
-                </a:rPr>
-                <a:t>J1</a:t>
-              </a:r>
-            </a:p>
-          </p:txBody>
-        </p:sp>
-        <p:sp>
-          <p:nvSpPr>
-            <p:cNvPr id="86" name="テキスト ボックス 85">
-              <a:extLst>
-                <a:ext uri="{FF2B5EF4-FFF2-40B4-BE49-F238E27FC236}">
-                  <a16:creationId xmlns:a16="http://schemas.microsoft.com/office/drawing/2014/main" id="{64AF6B31-67D3-490A-8596-949F895E532D}"/>
-                </a:ext>
-              </a:extLst>
-            </p:cNvPr>
-            <p:cNvSpPr txBox="1"/>
-            <p:nvPr/>
-          </p:nvSpPr>
-          <p:spPr>
-            <a:xfrm>
-              <a:off x="7865183" y="4399672"/>
-              <a:ext cx="689612" cy="369332"/>
-            </a:xfrm>
-            <a:prstGeom prst="rect">
-              <a:avLst/>
-            </a:prstGeom>
-            <a:noFill/>
-          </p:spPr>
-          <p:txBody>
-            <a:bodyPr wrap="none" rtlCol="0">
-              <a:spAutoFit/>
-            </a:bodyPr>
-            <a:lstStyle/>
-            <a:p>
-              <a:r>
-                <a:rPr lang="en-US" dirty="0"/>
-                <a:t>120</a:t>
-              </a:r>
-              <a:r>
-                <a:rPr lang="en-US" altLang="ja-JP" dirty="0"/>
-                <a:t>Ω</a:t>
-              </a:r>
-              <a:endParaRPr lang="en-US" dirty="0"/>
-            </a:p>
-          </p:txBody>
-        </p:sp>
-      </p:grpSp>
+          </a:ln>
+        </p:spPr>
+        <p:style>
+          <a:lnRef idx="1">
+            <a:schemeClr val="accent1"/>
+          </a:lnRef>
+          <a:fillRef idx="0">
+            <a:schemeClr val="accent1"/>
+          </a:fillRef>
+          <a:effectRef idx="0">
+            <a:schemeClr val="accent1"/>
+          </a:effectRef>
+          <a:fontRef idx="minor">
+            <a:schemeClr val="tx1"/>
+          </a:fontRef>
+        </p:style>
+      </p:cxnSp>
+      <p:sp>
+        <p:nvSpPr>
+          <p:cNvPr id="77" name="テキスト ボックス 76">
+            <a:extLst>
+              <a:ext uri="{FF2B5EF4-FFF2-40B4-BE49-F238E27FC236}">
+                <a16:creationId xmlns:a16="http://schemas.microsoft.com/office/drawing/2014/main" id="{956CD449-3130-4F6A-86D7-0D2412F38BAF}"/>
+              </a:ext>
+            </a:extLst>
+          </p:cNvPr>
+          <p:cNvSpPr txBox="1"/>
+          <p:nvPr/>
+        </p:nvSpPr>
+        <p:spPr>
+          <a:xfrm>
+            <a:off x="4906567" y="127352"/>
+            <a:ext cx="386131" cy="369332"/>
+          </a:xfrm>
+          <a:prstGeom prst="rect">
+            <a:avLst/>
+          </a:prstGeom>
+          <a:noFill/>
+        </p:spPr>
+        <p:txBody>
+          <a:bodyPr wrap="none" rtlCol="0">
+            <a:spAutoFit/>
+          </a:bodyPr>
+          <a:lstStyle/>
+          <a:p>
+            <a:r>
+              <a:rPr lang="en-US" dirty="0"/>
+              <a:t>Tx</a:t>
+            </a:r>
+          </a:p>
+        </p:txBody>
+      </p:sp>
+      <p:sp>
+        <p:nvSpPr>
+          <p:cNvPr id="78" name="テキスト ボックス 77">
+            <a:extLst>
+              <a:ext uri="{FF2B5EF4-FFF2-40B4-BE49-F238E27FC236}">
+                <a16:creationId xmlns:a16="http://schemas.microsoft.com/office/drawing/2014/main" id="{AD4033D6-4380-453F-BE71-19E2DAF37DFE}"/>
+              </a:ext>
+            </a:extLst>
+          </p:cNvPr>
+          <p:cNvSpPr txBox="1"/>
+          <p:nvPr/>
+        </p:nvSpPr>
+        <p:spPr>
+          <a:xfrm>
+            <a:off x="4914744" y="468485"/>
+            <a:ext cx="409086" cy="369332"/>
+          </a:xfrm>
+          <a:prstGeom prst="rect">
+            <a:avLst/>
+          </a:prstGeom>
+          <a:noFill/>
+        </p:spPr>
+        <p:txBody>
+          <a:bodyPr wrap="none" rtlCol="0">
+            <a:spAutoFit/>
+          </a:bodyPr>
+          <a:lstStyle/>
+          <a:p>
+            <a:r>
+              <a:rPr lang="en-US" dirty="0"/>
+              <a:t>Rx</a:t>
+            </a:r>
+          </a:p>
+        </p:txBody>
+      </p:sp>
+      <p:sp>
+        <p:nvSpPr>
+          <p:cNvPr id="79" name="テキスト ボックス 78">
+            <a:extLst>
+              <a:ext uri="{FF2B5EF4-FFF2-40B4-BE49-F238E27FC236}">
+                <a16:creationId xmlns:a16="http://schemas.microsoft.com/office/drawing/2014/main" id="{468FB883-D26B-4AEC-8135-FCBE449DB6D6}"/>
+              </a:ext>
+            </a:extLst>
+          </p:cNvPr>
+          <p:cNvSpPr txBox="1"/>
+          <p:nvPr/>
+        </p:nvSpPr>
+        <p:spPr>
+          <a:xfrm>
+            <a:off x="5292698" y="270354"/>
+            <a:ext cx="1710596" cy="369332"/>
+          </a:xfrm>
+          <a:prstGeom prst="rect">
+            <a:avLst/>
+          </a:prstGeom>
+          <a:noFill/>
+        </p:spPr>
+        <p:txBody>
+          <a:bodyPr wrap="none" rtlCol="0">
+            <a:spAutoFit/>
+          </a:bodyPr>
+          <a:lstStyle/>
+          <a:p>
+            <a:r>
+              <a:rPr lang="en-US" dirty="0"/>
+              <a:t>UART/USB(FTDI)</a:t>
+            </a:r>
+          </a:p>
+        </p:txBody>
+      </p:sp>
+      <p:cxnSp>
+        <p:nvCxnSpPr>
+          <p:cNvPr id="80" name="直線コネクタ 79">
+            <a:extLst>
+              <a:ext uri="{FF2B5EF4-FFF2-40B4-BE49-F238E27FC236}">
+                <a16:creationId xmlns:a16="http://schemas.microsoft.com/office/drawing/2014/main" id="{FB28FADF-3CC3-4284-9588-7EB445D2ADF2}"/>
+              </a:ext>
+            </a:extLst>
+          </p:cNvPr>
+          <p:cNvCxnSpPr/>
+          <p:nvPr/>
+        </p:nvCxnSpPr>
+        <p:spPr>
+          <a:xfrm>
+            <a:off x="9083120" y="1906290"/>
+            <a:ext cx="2481935" cy="0"/>
+          </a:xfrm>
+          <a:prstGeom prst="line">
+            <a:avLst/>
+          </a:prstGeom>
+          <a:ln w="38100"/>
+        </p:spPr>
+        <p:style>
+          <a:lnRef idx="1">
+            <a:schemeClr val="accent1"/>
+          </a:lnRef>
+          <a:fillRef idx="0">
+            <a:schemeClr val="accent1"/>
+          </a:fillRef>
+          <a:effectRef idx="0">
+            <a:schemeClr val="accent1"/>
+          </a:effectRef>
+          <a:fontRef idx="minor">
+            <a:schemeClr val="tx1"/>
+          </a:fontRef>
+        </p:style>
+      </p:cxnSp>
+      <p:cxnSp>
+        <p:nvCxnSpPr>
+          <p:cNvPr id="81" name="直線コネクタ 80">
+            <a:extLst>
+              <a:ext uri="{FF2B5EF4-FFF2-40B4-BE49-F238E27FC236}">
+                <a16:creationId xmlns:a16="http://schemas.microsoft.com/office/drawing/2014/main" id="{3D6EDA32-7164-40D3-8EEE-12D8985A89D5}"/>
+              </a:ext>
+            </a:extLst>
+          </p:cNvPr>
+          <p:cNvCxnSpPr/>
+          <p:nvPr/>
+        </p:nvCxnSpPr>
+        <p:spPr>
+          <a:xfrm>
+            <a:off x="9087472" y="2389619"/>
+            <a:ext cx="2481935" cy="0"/>
+          </a:xfrm>
+          <a:prstGeom prst="line">
+            <a:avLst/>
+          </a:prstGeom>
+          <a:ln w="38100"/>
+        </p:spPr>
+        <p:style>
+          <a:lnRef idx="1">
+            <a:schemeClr val="accent1"/>
+          </a:lnRef>
+          <a:fillRef idx="0">
+            <a:schemeClr val="accent1"/>
+          </a:fillRef>
+          <a:effectRef idx="0">
+            <a:schemeClr val="accent1"/>
+          </a:effectRef>
+          <a:fontRef idx="minor">
+            <a:schemeClr val="tx1"/>
+          </a:fontRef>
+        </p:style>
+      </p:cxnSp>
+      <p:sp>
+        <p:nvSpPr>
+          <p:cNvPr id="82" name="テキスト ボックス 81">
+            <a:extLst>
+              <a:ext uri="{FF2B5EF4-FFF2-40B4-BE49-F238E27FC236}">
+                <a16:creationId xmlns:a16="http://schemas.microsoft.com/office/drawing/2014/main" id="{ECF32CFD-371E-4CED-B242-F2D630F66270}"/>
+              </a:ext>
+            </a:extLst>
+          </p:cNvPr>
+          <p:cNvSpPr txBox="1"/>
+          <p:nvPr/>
+        </p:nvSpPr>
+        <p:spPr>
+          <a:xfrm>
+            <a:off x="9478239" y="1509043"/>
+            <a:ext cx="734496" cy="369332"/>
+          </a:xfrm>
+          <a:prstGeom prst="rect">
+            <a:avLst/>
+          </a:prstGeom>
+          <a:noFill/>
+        </p:spPr>
+        <p:txBody>
+          <a:bodyPr wrap="none" rtlCol="0">
+            <a:spAutoFit/>
+          </a:bodyPr>
+          <a:lstStyle/>
+          <a:p>
+            <a:r>
+              <a:rPr lang="en-US" dirty="0"/>
+              <a:t>CANH</a:t>
+            </a:r>
+          </a:p>
+        </p:txBody>
+      </p:sp>
+      <p:sp>
+        <p:nvSpPr>
+          <p:cNvPr id="83" name="テキスト ボックス 82">
+            <a:extLst>
+              <a:ext uri="{FF2B5EF4-FFF2-40B4-BE49-F238E27FC236}">
+                <a16:creationId xmlns:a16="http://schemas.microsoft.com/office/drawing/2014/main" id="{705A178F-405D-4752-9C9F-14D8118AB735}"/>
+              </a:ext>
+            </a:extLst>
+          </p:cNvPr>
+          <p:cNvSpPr txBox="1"/>
+          <p:nvPr/>
+        </p:nvSpPr>
+        <p:spPr>
+          <a:xfrm>
+            <a:off x="9500012" y="2044625"/>
+            <a:ext cx="688009" cy="369332"/>
+          </a:xfrm>
+          <a:prstGeom prst="rect">
+            <a:avLst/>
+          </a:prstGeom>
+          <a:noFill/>
+        </p:spPr>
+        <p:txBody>
+          <a:bodyPr wrap="none" rtlCol="0">
+            <a:spAutoFit/>
+          </a:bodyPr>
+          <a:lstStyle/>
+          <a:p>
+            <a:r>
+              <a:rPr lang="en-US" dirty="0"/>
+              <a:t>CANL</a:t>
+            </a:r>
+          </a:p>
+        </p:txBody>
+      </p:sp>
+      <p:sp>
+        <p:nvSpPr>
+          <p:cNvPr id="84" name="正方形/長方形 83">
+            <a:extLst>
+              <a:ext uri="{FF2B5EF4-FFF2-40B4-BE49-F238E27FC236}">
+                <a16:creationId xmlns:a16="http://schemas.microsoft.com/office/drawing/2014/main" id="{6C5A33B2-853E-4325-AC07-E884C922F41C}"/>
+              </a:ext>
+            </a:extLst>
+          </p:cNvPr>
+          <p:cNvSpPr/>
+          <p:nvPr/>
+        </p:nvSpPr>
+        <p:spPr>
+          <a:xfrm>
+            <a:off x="8011958" y="2843737"/>
+            <a:ext cx="496389" cy="238885"/>
+          </a:xfrm>
+          <a:prstGeom prst="rect">
+            <a:avLst/>
+          </a:prstGeom>
+        </p:spPr>
+        <p:style>
+          <a:lnRef idx="2">
+            <a:schemeClr val="accent1">
+              <a:shade val="50000"/>
+            </a:schemeClr>
+          </a:lnRef>
+          <a:fillRef idx="1">
+            <a:schemeClr val="accent1"/>
+          </a:fillRef>
+          <a:effectRef idx="0">
+            <a:schemeClr val="accent1"/>
+          </a:effectRef>
+          <a:fontRef idx="minor">
+            <a:schemeClr val="lt1"/>
+          </a:fontRef>
+        </p:style>
+        <p:txBody>
+          <a:bodyPr rtlCol="0" anchor="ctr"/>
+          <a:lstStyle/>
+          <a:p>
+            <a:pPr algn="ctr"/>
+            <a:endParaRPr lang="en-US"/>
+          </a:p>
+        </p:txBody>
+      </p:sp>
+      <p:sp>
+        <p:nvSpPr>
+          <p:cNvPr id="85" name="テキスト ボックス 84">
+            <a:extLst>
+              <a:ext uri="{FF2B5EF4-FFF2-40B4-BE49-F238E27FC236}">
+                <a16:creationId xmlns:a16="http://schemas.microsoft.com/office/drawing/2014/main" id="{C85EA358-321B-496F-AA67-8F3D0D947537}"/>
+              </a:ext>
+            </a:extLst>
+          </p:cNvPr>
+          <p:cNvSpPr txBox="1"/>
+          <p:nvPr/>
+        </p:nvSpPr>
+        <p:spPr>
+          <a:xfrm>
+            <a:off x="8508347" y="2820166"/>
+            <a:ext cx="606616" cy="319636"/>
+          </a:xfrm>
+          <a:prstGeom prst="rect">
+            <a:avLst/>
+          </a:prstGeom>
+          <a:noFill/>
+        </p:spPr>
+        <p:txBody>
+          <a:bodyPr wrap="square" rtlCol="0">
+            <a:spAutoFit/>
+          </a:bodyPr>
+          <a:lstStyle/>
+          <a:p>
+            <a:r>
+              <a:rPr lang="en-US" sz="1400" dirty="0">
+                <a:solidFill>
+                  <a:schemeClr val="bg1"/>
+                </a:solidFill>
+              </a:rPr>
+              <a:t>J1</a:t>
+            </a:r>
+          </a:p>
+        </p:txBody>
+      </p:sp>
+      <p:sp>
+        <p:nvSpPr>
+          <p:cNvPr id="86" name="テキスト ボックス 85">
+            <a:extLst>
+              <a:ext uri="{FF2B5EF4-FFF2-40B4-BE49-F238E27FC236}">
+                <a16:creationId xmlns:a16="http://schemas.microsoft.com/office/drawing/2014/main" id="{64AF6B31-67D3-490A-8596-949F895E532D}"/>
+              </a:ext>
+            </a:extLst>
+          </p:cNvPr>
+          <p:cNvSpPr txBox="1"/>
+          <p:nvPr/>
+        </p:nvSpPr>
+        <p:spPr>
+          <a:xfrm>
+            <a:off x="7934924" y="3105558"/>
+            <a:ext cx="689612" cy="369332"/>
+          </a:xfrm>
+          <a:prstGeom prst="rect">
+            <a:avLst/>
+          </a:prstGeom>
+          <a:noFill/>
+        </p:spPr>
+        <p:txBody>
+          <a:bodyPr wrap="none" rtlCol="0">
+            <a:spAutoFit/>
+          </a:bodyPr>
+          <a:lstStyle/>
+          <a:p>
+            <a:r>
+              <a:rPr lang="en-US" dirty="0"/>
+              <a:t>120</a:t>
+            </a:r>
+            <a:r>
+              <a:rPr lang="en-US" altLang="ja-JP" dirty="0"/>
+              <a:t>Ω</a:t>
+            </a:r>
+            <a:endParaRPr lang="en-US" dirty="0"/>
+          </a:p>
+        </p:txBody>
+      </p:sp>
     </p:spTree>
     <p:extLst>
       <p:ext uri="{BB962C8B-B14F-4D97-AF65-F5344CB8AC3E}">
